--- a/Creative Thinking.pptx
+++ b/Creative Thinking.pptx
@@ -17,15 +17,24 @@
     <p:sldId id="263" r:id="rId11"/>
     <p:sldId id="264" r:id="rId12"/>
     <p:sldId id="265" r:id="rId13"/>
-    <p:sldId id="272" r:id="rId14"/>
-    <p:sldId id="273" r:id="rId15"/>
-    <p:sldId id="274" r:id="rId16"/>
-    <p:sldId id="275" r:id="rId17"/>
-    <p:sldId id="266" r:id="rId18"/>
-    <p:sldId id="267" r:id="rId19"/>
-    <p:sldId id="268" r:id="rId20"/>
-    <p:sldId id="269" r:id="rId21"/>
-    <p:sldId id="276" r:id="rId22"/>
+    <p:sldId id="277" r:id="rId14"/>
+    <p:sldId id="278" r:id="rId15"/>
+    <p:sldId id="285" r:id="rId16"/>
+    <p:sldId id="272" r:id="rId17"/>
+    <p:sldId id="281" r:id="rId18"/>
+    <p:sldId id="279" r:id="rId19"/>
+    <p:sldId id="282" r:id="rId20"/>
+    <p:sldId id="273" r:id="rId21"/>
+    <p:sldId id="280" r:id="rId22"/>
+    <p:sldId id="274" r:id="rId23"/>
+    <p:sldId id="283" r:id="rId24"/>
+    <p:sldId id="275" r:id="rId25"/>
+    <p:sldId id="284" r:id="rId26"/>
+    <p:sldId id="266" r:id="rId27"/>
+    <p:sldId id="267" r:id="rId28"/>
+    <p:sldId id="268" r:id="rId29"/>
+    <p:sldId id="269" r:id="rId30"/>
+    <p:sldId id="276" r:id="rId31"/>
   </p:sldIdLst>
   <p:sldSz cx="12192000" cy="6858000"/>
   <p:notesSz cx="6858000" cy="9144000"/>
@@ -12829,37 +12838,6 @@
               <a:t>the elimination of an essential component of a product</a:t>
             </a:r>
           </a:p>
-          <a:p>
-            <a:pPr marL="457200" indent="-457200">
-              <a:buFont typeface="+mj-lt"/>
-              <a:buAutoNum type="arabicPeriod"/>
-            </a:pPr>
-            <a:r>
-              <a:rPr lang="en-GB" dirty="0"/>
-              <a:t>list all the internal components</a:t>
-            </a:r>
-          </a:p>
-          <a:p>
-            <a:pPr marL="457200" indent="-457200">
-              <a:buFont typeface="+mj-lt"/>
-              <a:buAutoNum type="arabicPeriod"/>
-            </a:pPr>
-            <a:r>
-              <a:rPr lang="en-GB" dirty="0"/>
-              <a:t>remove a component</a:t>
-            </a:r>
-          </a:p>
-          <a:p>
-            <a:pPr marL="457200" indent="-457200">
-              <a:buFont typeface="+mj-lt"/>
-              <a:buAutoNum type="arabicPeriod"/>
-            </a:pPr>
-            <a:r>
-              <a:rPr lang="en-GB" dirty="0"/>
-              <a:t>ask yourself 2 questions</a:t>
-            </a:r>
-            <a:endParaRPr lang="en-US" dirty="0"/>
-          </a:p>
         </p:txBody>
       </p:sp>
     </p:spTree>
@@ -12915,7 +12893,7 @@
           <a:p>
             <a:r>
               <a:rPr lang="en-US" cap="none" dirty="0"/>
-              <a:t>Technique 2 : Division</a:t>
+              <a:t>Technique 1 : Subtraction</a:t>
             </a:r>
             <a:endParaRPr lang="en-US" dirty="0"/>
           </a:p>
@@ -12942,72 +12920,72 @@
           <a:bodyPr/>
           <a:lstStyle/>
           <a:p>
-            <a:pPr marL="233363" indent="-233363">
+            <a:pPr>
               <a:buFont typeface="Wingdings" panose="05000000000000000000" pitchFamily="2" charset="2"/>
               <a:buChar char="§"/>
             </a:pPr>
             <a:r>
+              <a:rPr lang="en-US" dirty="0"/>
+              <a:t>  </a:t>
+            </a:r>
+            <a:r>
               <a:rPr lang="en-GB" dirty="0"/>
-              <a:t>separate the product or its components and then rearranging them back into the product</a:t>
-            </a:r>
-          </a:p>
-          <a:p>
-            <a:pPr marL="233363" indent="-233363">
-              <a:buFont typeface="Wingdings" panose="05000000000000000000" pitchFamily="2" charset="2"/>
-              <a:buChar char="§"/>
-            </a:pPr>
-            <a:r>
-              <a:rPr lang="en-GB" dirty="0"/>
-              <a:t>3 types</a:t>
-            </a:r>
-          </a:p>
-          <a:p>
-            <a:pPr marL="233363" indent="223838">
-              <a:buFont typeface="Wingdings" panose="05000000000000000000" pitchFamily="2" charset="2"/>
-              <a:buChar char="à"/>
-            </a:pPr>
-            <a:r>
-              <a:rPr lang="en-GB" sz="2000" dirty="0"/>
-              <a:t> divide functionally</a:t>
-            </a:r>
-          </a:p>
-          <a:p>
-            <a:pPr marL="233363" indent="223838">
-              <a:buFont typeface="Wingdings" panose="05000000000000000000" pitchFamily="2" charset="2"/>
-              <a:buChar char="à"/>
-            </a:pPr>
-            <a:r>
-              <a:rPr lang="en-GB" sz="2000" dirty="0"/>
-              <a:t>  divide physically</a:t>
-            </a:r>
-          </a:p>
-          <a:p>
-            <a:pPr marL="233363" indent="223838">
-              <a:buFont typeface="Wingdings" panose="05000000000000000000" pitchFamily="2" charset="2"/>
-              <a:buChar char="à"/>
-            </a:pPr>
-            <a:r>
-              <a:rPr lang="en-GB" sz="2000" dirty="0"/>
-              <a:t>  divide through preserving</a:t>
-            </a:r>
-          </a:p>
-          <a:p>
-            <a:pPr marL="233363" indent="-233363">
-              <a:buFont typeface="Wingdings" panose="05000000000000000000" pitchFamily="2" charset="2"/>
-              <a:buChar char="§"/>
-            </a:pPr>
-            <a:r>
-              <a:rPr lang="en-US" dirty="0"/>
-              <a:t>cuts your biggest challenges down to size so you can see new innovative opportunities</a:t>
-            </a:r>
-            <a:endParaRPr lang="en-GB" dirty="0"/>
+              <a:t>the elimination of an essential component of a product</a:t>
+            </a:r>
           </a:p>
         </p:txBody>
       </p:sp>
+      <p:pic>
+        <p:nvPicPr>
+          <p:cNvPr id="1026" name="Picture 2" descr="ผลการค้นหารูปภาพสำหรับ bicycle">
+            <a:extLst>
+              <a:ext uri="{FF2B5EF4-FFF2-40B4-BE49-F238E27FC236}">
+                <a16:creationId xmlns:a16="http://schemas.microsoft.com/office/drawing/2014/main" id="{64E6E2DA-8F9F-4CAD-B52C-1539208DB176}"/>
+              </a:ext>
+            </a:extLst>
+          </p:cNvPr>
+          <p:cNvPicPr>
+            <a:picLocks noChangeAspect="1" noChangeArrowheads="1"/>
+          </p:cNvPicPr>
+          <p:nvPr/>
+        </p:nvPicPr>
+        <p:blipFill>
+          <a:blip r:embed="rId2">
+            <a:extLst>
+              <a:ext uri="{28A0092B-C50C-407E-A947-70E740481C1C}">
+                <a14:useLocalDpi xmlns:a14="http://schemas.microsoft.com/office/drawing/2010/main" val="0"/>
+              </a:ext>
+            </a:extLst>
+          </a:blip>
+          <a:srcRect/>
+          <a:stretch>
+            <a:fillRect/>
+          </a:stretch>
+        </p:blipFill>
+        <p:spPr bwMode="auto">
+          <a:xfrm>
+            <a:off x="1447801" y="3174840"/>
+            <a:ext cx="4561840" cy="2922429"/>
+          </a:xfrm>
+          <a:prstGeom prst="rect">
+            <a:avLst/>
+          </a:prstGeom>
+          <a:noFill/>
+          <a:extLst>
+            <a:ext uri="{909E8E84-426E-40DD-AFC4-6F175D3DCCD1}">
+              <a14:hiddenFill xmlns:a14="http://schemas.microsoft.com/office/drawing/2010/main">
+                <a:solidFill>
+                  <a:srgbClr val="FFFFFF"/>
+                </a:solidFill>
+              </a14:hiddenFill>
+            </a:ext>
+          </a:extLst>
+        </p:spPr>
+      </p:pic>
     </p:spTree>
     <p:extLst>
       <p:ext uri="{BB962C8B-B14F-4D97-AF65-F5344CB8AC3E}">
-        <p14:creationId xmlns:p14="http://schemas.microsoft.com/office/powerpoint/2010/main" val="3256399381"/>
+        <p14:creationId xmlns:p14="http://schemas.microsoft.com/office/powerpoint/2010/main" val="3490620"/>
       </p:ext>
     </p:extLst>
   </p:cSld>
@@ -13057,7 +13035,7 @@
           <a:p>
             <a:r>
               <a:rPr lang="en-US" cap="none" dirty="0"/>
-              <a:t>Technique 3 : Multiplication</a:t>
+              <a:t>Technique 1 : Subtraction</a:t>
             </a:r>
             <a:endParaRPr lang="en-US" dirty="0"/>
           </a:p>
@@ -13084,63 +13062,119 @@
           <a:bodyPr/>
           <a:lstStyle/>
           <a:p>
-            <a:pPr marL="233363" indent="-233363">
+            <a:pPr>
               <a:buFont typeface="Wingdings" panose="05000000000000000000" pitchFamily="2" charset="2"/>
               <a:buChar char="§"/>
             </a:pPr>
             <a:r>
+              <a:rPr lang="en-US" dirty="0"/>
+              <a:t>  </a:t>
+            </a:r>
+            <a:r>
               <a:rPr lang="en-GB" dirty="0"/>
-              <a:t>copy an element already existing in a product but change it in some counterintuitive way</a:t>
-            </a:r>
-            <a:endParaRPr lang="en-US" dirty="0"/>
-          </a:p>
-          <a:p>
-            <a:pPr marL="233363" indent="-233363">
-              <a:buFont typeface="Wingdings" panose="05000000000000000000" pitchFamily="2" charset="2"/>
-              <a:buChar char="§"/>
-            </a:pPr>
-            <a:endParaRPr lang="en-GB" dirty="0"/>
+              <a:t>the elimination of an essential component of a product</a:t>
+            </a:r>
           </a:p>
         </p:txBody>
       </p:sp>
       <p:pic>
         <p:nvPicPr>
-          <p:cNvPr id="4" name="Picture 3">
+          <p:cNvPr id="1026" name="Picture 2" descr="ผลการค้นหารูปภาพสำหรับ bicycle">
             <a:extLst>
               <a:ext uri="{FF2B5EF4-FFF2-40B4-BE49-F238E27FC236}">
-                <a16:creationId xmlns:a16="http://schemas.microsoft.com/office/drawing/2014/main" id="{3CB5C308-7DE3-4DE5-A0AA-E212C4206FD4}"/>
+                <a16:creationId xmlns:a16="http://schemas.microsoft.com/office/drawing/2014/main" id="{64E6E2DA-8F9F-4CAD-B52C-1539208DB176}"/>
               </a:ext>
             </a:extLst>
           </p:cNvPr>
-          <p:cNvPicPr/>
+          <p:cNvPicPr>
+            <a:picLocks noChangeAspect="1" noChangeArrowheads="1"/>
+          </p:cNvPicPr>
           <p:nvPr/>
         </p:nvPicPr>
         <p:blipFill>
-          <a:blip r:embed="rId2" cstate="print">
+          <a:blip r:embed="rId2">
             <a:extLst>
               <a:ext uri="{28A0092B-C50C-407E-A947-70E740481C1C}">
                 <a14:useLocalDpi xmlns:a14="http://schemas.microsoft.com/office/drawing/2010/main" val="0"/>
               </a:ext>
             </a:extLst>
           </a:blip>
+          <a:srcRect/>
           <a:stretch>
             <a:fillRect/>
           </a:stretch>
         </p:blipFill>
-        <p:spPr>
+        <p:spPr bwMode="auto">
           <a:xfrm>
-            <a:off x="4876800" y="3429000"/>
-            <a:ext cx="2438400" cy="1885950"/>
+            <a:off x="1447801" y="3174840"/>
+            <a:ext cx="4561840" cy="2922429"/>
           </a:xfrm>
           <a:prstGeom prst="rect">
             <a:avLst/>
           </a:prstGeom>
+          <a:noFill/>
+          <a:extLst>
+            <a:ext uri="{909E8E84-426E-40DD-AFC4-6F175D3DCCD1}">
+              <a14:hiddenFill xmlns:a14="http://schemas.microsoft.com/office/drawing/2010/main">
+                <a:solidFill>
+                  <a:srgbClr val="FFFFFF"/>
+                </a:solidFill>
+              </a14:hiddenFill>
+            </a:ext>
+          </a:extLst>
+        </p:spPr>
+      </p:pic>
+      <p:pic>
+        <p:nvPicPr>
+          <p:cNvPr id="2050" name="Picture 2" descr="ผลการค้นหารูปภาพสำหรับ bicycle to exercise bicycle">
+            <a:extLst>
+              <a:ext uri="{FF2B5EF4-FFF2-40B4-BE49-F238E27FC236}">
+                <a16:creationId xmlns:a16="http://schemas.microsoft.com/office/drawing/2014/main" id="{90D0461B-2DD1-47CE-9CD1-32311AFF6AB2}"/>
+              </a:ext>
+            </a:extLst>
+          </p:cNvPr>
+          <p:cNvPicPr>
+            <a:picLocks noChangeAspect="1" noChangeArrowheads="1"/>
+          </p:cNvPicPr>
+          <p:nvPr/>
+        </p:nvPicPr>
+        <p:blipFill>
+          <a:blip r:embed="rId3">
+            <a:extLst>
+              <a:ext uri="{28A0092B-C50C-407E-A947-70E740481C1C}">
+                <a14:useLocalDpi xmlns:a14="http://schemas.microsoft.com/office/drawing/2010/main" val="0"/>
+              </a:ext>
+            </a:extLst>
+          </a:blip>
+          <a:srcRect/>
+          <a:stretch>
+            <a:fillRect/>
+          </a:stretch>
+        </p:blipFill>
+        <p:spPr bwMode="auto">
+          <a:xfrm>
+            <a:off x="7235952" y="2980944"/>
+            <a:ext cx="3291840" cy="3291840"/>
+          </a:xfrm>
+          <a:prstGeom prst="rect">
+            <a:avLst/>
+          </a:prstGeom>
+          <a:noFill/>
+          <a:extLst>
+            <a:ext uri="{909E8E84-426E-40DD-AFC4-6F175D3DCCD1}">
+              <a14:hiddenFill xmlns:a14="http://schemas.microsoft.com/office/drawing/2010/main">
+                <a:solidFill>
+                  <a:srgbClr val="FFFFFF"/>
+                </a:solidFill>
+              </a14:hiddenFill>
+            </a:ext>
+          </a:extLst>
         </p:spPr>
       </p:pic>
     </p:spTree>
     <p:extLst>
       <p:ext uri="{BB962C8B-B14F-4D97-AF65-F5344CB8AC3E}">
-        <p14:creationId xmlns:p14="http://schemas.microsoft.com/office/powerpoint/2010/main" val="2780542593"/>
+        <p14:creationId xmlns:p14="http://schemas.microsoft.com/office/powerpoint/2010/main" val="222857642"/>
       </p:ext>
     </p:extLst>
   </p:cSld>
@@ -13190,7 +13224,7 @@
           <a:p>
             <a:r>
               <a:rPr lang="en-US" cap="none" dirty="0"/>
-              <a:t>Technique 4 : Task Unification</a:t>
+              <a:t>Technique 1 : Subtraction</a:t>
             </a:r>
             <a:endParaRPr lang="en-US" dirty="0"/>
           </a:p>
@@ -13217,70 +13251,166 @@
           <a:bodyPr/>
           <a:lstStyle/>
           <a:p>
-            <a:pPr marL="233363" indent="-233363">
+            <a:pPr>
               <a:buFont typeface="Wingdings" panose="05000000000000000000" pitchFamily="2" charset="2"/>
               <a:buChar char="§"/>
             </a:pPr>
             <a:r>
-              <a:rPr lang="en-GB" dirty="0"/>
-              <a:t>assign additional tasks to an existing resource</a:t>
-            </a:r>
-          </a:p>
-          <a:p>
-            <a:pPr marL="233363" indent="-233363">
-              <a:buFont typeface="Wingdings" panose="05000000000000000000" pitchFamily="2" charset="2"/>
-              <a:buChar char="§"/>
-            </a:pPr>
-            <a:r>
-              <a:rPr lang="en-GB" dirty="0"/>
-              <a:t>3 general ways</a:t>
-            </a:r>
-          </a:p>
-          <a:p>
-            <a:pPr>
-              <a:buFont typeface="Wingdings" panose="05000000000000000000" pitchFamily="2" charset="2"/>
-              <a:buChar char="à"/>
-            </a:pPr>
-            <a:r>
-              <a:rPr lang="en-GB" dirty="0"/>
-              <a:t>  </a:t>
-            </a:r>
-            <a:r>
-              <a:rPr lang="en-US" dirty="0"/>
-              <a:t>an internal component takes the job of another internal component</a:t>
-            </a:r>
-          </a:p>
-          <a:p>
-            <a:pPr>
-              <a:buFont typeface="Wingdings" panose="05000000000000000000" pitchFamily="2" charset="2"/>
-              <a:buChar char="à"/>
-            </a:pPr>
-            <a:r>
-              <a:rPr lang="en-US" dirty="0"/>
-              <a:t>  an internal component takes the job of an external component</a:t>
-            </a:r>
-          </a:p>
-          <a:p>
-            <a:pPr>
-              <a:buFont typeface="Wingdings" panose="05000000000000000000" pitchFamily="2" charset="2"/>
-              <a:buChar char="à"/>
-            </a:pPr>
-            <a:r>
               <a:rPr lang="en-US" dirty="0"/>
               <a:t>  </a:t>
             </a:r>
             <a:r>
               <a:rPr lang="en-GB" dirty="0"/>
-              <a:t>an external component takes the job of an internal component</a:t>
-            </a:r>
-            <a:endParaRPr lang="en-US" dirty="0"/>
+              <a:t>the elimination of an essential component of a product</a:t>
+            </a:r>
           </a:p>
         </p:txBody>
       </p:sp>
+      <p:pic>
+        <p:nvPicPr>
+          <p:cNvPr id="2050" name="Picture 2" descr="ผลการค้นหารูปภาพสำหรับ bicycle to exercise bicycle">
+            <a:extLst>
+              <a:ext uri="{FF2B5EF4-FFF2-40B4-BE49-F238E27FC236}">
+                <a16:creationId xmlns:a16="http://schemas.microsoft.com/office/drawing/2014/main" id="{90D0461B-2DD1-47CE-9CD1-32311AFF6AB2}"/>
+              </a:ext>
+            </a:extLst>
+          </p:cNvPr>
+          <p:cNvPicPr>
+            <a:picLocks noChangeAspect="1" noChangeArrowheads="1"/>
+          </p:cNvPicPr>
+          <p:nvPr/>
+        </p:nvPicPr>
+        <p:blipFill>
+          <a:blip r:embed="rId2">
+            <a:extLst>
+              <a:ext uri="{28A0092B-C50C-407E-A947-70E740481C1C}">
+                <a14:useLocalDpi xmlns:a14="http://schemas.microsoft.com/office/drawing/2010/main" val="0"/>
+              </a:ext>
+            </a:extLst>
+          </a:blip>
+          <a:srcRect/>
+          <a:stretch>
+            <a:fillRect/>
+          </a:stretch>
+        </p:blipFill>
+        <p:spPr bwMode="auto">
+          <a:xfrm>
+            <a:off x="7235952" y="2980944"/>
+            <a:ext cx="3291840" cy="3291840"/>
+          </a:xfrm>
+          <a:prstGeom prst="rect">
+            <a:avLst/>
+          </a:prstGeom>
+          <a:noFill/>
+          <a:extLst>
+            <a:ext uri="{909E8E84-426E-40DD-AFC4-6F175D3DCCD1}">
+              <a14:hiddenFill xmlns:a14="http://schemas.microsoft.com/office/drawing/2010/main">
+                <a:solidFill>
+                  <a:srgbClr val="FFFFFF"/>
+                </a:solidFill>
+              </a14:hiddenFill>
+            </a:ext>
+          </a:extLst>
+        </p:spPr>
+      </p:pic>
+      <p:pic>
+        <p:nvPicPr>
+          <p:cNvPr id="9218" name="Picture 2" descr="Dyson blade-less fan">
+            <a:extLst>
+              <a:ext uri="{FF2B5EF4-FFF2-40B4-BE49-F238E27FC236}">
+                <a16:creationId xmlns:a16="http://schemas.microsoft.com/office/drawing/2014/main" id="{FA529E76-D5E3-4F25-A343-4C5D825950F0}"/>
+              </a:ext>
+            </a:extLst>
+          </p:cNvPr>
+          <p:cNvPicPr>
+            <a:picLocks noChangeAspect="1" noChangeArrowheads="1"/>
+          </p:cNvPicPr>
+          <p:nvPr/>
+        </p:nvPicPr>
+        <p:blipFill>
+          <a:blip r:embed="rId3">
+            <a:extLst>
+              <a:ext uri="{28A0092B-C50C-407E-A947-70E740481C1C}">
+                <a14:useLocalDpi xmlns:a14="http://schemas.microsoft.com/office/drawing/2010/main" val="0"/>
+              </a:ext>
+            </a:extLst>
+          </a:blip>
+          <a:srcRect/>
+          <a:stretch>
+            <a:fillRect/>
+          </a:stretch>
+        </p:blipFill>
+        <p:spPr bwMode="auto">
+          <a:xfrm>
+            <a:off x="1024128" y="2980943"/>
+            <a:ext cx="3078604" cy="3291841"/>
+          </a:xfrm>
+          <a:prstGeom prst="rect">
+            <a:avLst/>
+          </a:prstGeom>
+          <a:noFill/>
+          <a:extLst>
+            <a:ext uri="{909E8E84-426E-40DD-AFC4-6F175D3DCCD1}">
+              <a14:hiddenFill xmlns:a14="http://schemas.microsoft.com/office/drawing/2010/main">
+                <a:solidFill>
+                  <a:srgbClr val="FFFFFF"/>
+                </a:solidFill>
+              </a14:hiddenFill>
+            </a:ext>
+          </a:extLst>
+        </p:spPr>
+      </p:pic>
+      <p:pic>
+        <p:nvPicPr>
+          <p:cNvPr id="9220" name="Picture 4" descr="ผลการค้นหารูปภาพสำหรับ โจ๊กคัพ">
+            <a:extLst>
+              <a:ext uri="{FF2B5EF4-FFF2-40B4-BE49-F238E27FC236}">
+                <a16:creationId xmlns:a16="http://schemas.microsoft.com/office/drawing/2014/main" id="{AD2F5BA1-999F-47C5-911B-DF1C18273E37}"/>
+              </a:ext>
+            </a:extLst>
+          </p:cNvPr>
+          <p:cNvPicPr>
+            <a:picLocks noChangeAspect="1" noChangeArrowheads="1"/>
+          </p:cNvPicPr>
+          <p:nvPr/>
+        </p:nvPicPr>
+        <p:blipFill>
+          <a:blip r:embed="rId4">
+            <a:extLst>
+              <a:ext uri="{28A0092B-C50C-407E-A947-70E740481C1C}">
+                <a14:useLocalDpi xmlns:a14="http://schemas.microsoft.com/office/drawing/2010/main" val="0"/>
+              </a:ext>
+            </a:extLst>
+          </a:blip>
+          <a:srcRect/>
+          <a:stretch>
+            <a:fillRect/>
+          </a:stretch>
+        </p:blipFill>
+        <p:spPr bwMode="auto">
+          <a:xfrm>
+            <a:off x="4082412" y="3198813"/>
+            <a:ext cx="3000375" cy="3000375"/>
+          </a:xfrm>
+          <a:prstGeom prst="rect">
+            <a:avLst/>
+          </a:prstGeom>
+          <a:noFill/>
+          <a:extLst>
+            <a:ext uri="{909E8E84-426E-40DD-AFC4-6F175D3DCCD1}">
+              <a14:hiddenFill xmlns:a14="http://schemas.microsoft.com/office/drawing/2010/main">
+                <a:solidFill>
+                  <a:srgbClr val="FFFFFF"/>
+                </a:solidFill>
+              </a14:hiddenFill>
+            </a:ext>
+          </a:extLst>
+        </p:spPr>
+      </p:pic>
     </p:spTree>
     <p:extLst>
       <p:ext uri="{BB962C8B-B14F-4D97-AF65-F5344CB8AC3E}">
-        <p14:creationId xmlns:p14="http://schemas.microsoft.com/office/powerpoint/2010/main" val="2732650660"/>
+        <p14:creationId xmlns:p14="http://schemas.microsoft.com/office/powerpoint/2010/main" val="627945788"/>
       </p:ext>
     </p:extLst>
   </p:cSld>
@@ -13323,23 +13453,16 @@
             <p:ph type="title"/>
           </p:nvPr>
         </p:nvSpPr>
-        <p:spPr>
-          <a:xfrm>
-            <a:off x="1024128" y="585216"/>
-            <a:ext cx="10202672" cy="1499616"/>
-          </a:xfrm>
-        </p:spPr>
+        <p:spPr/>
         <p:txBody>
-          <a:bodyPr>
-            <a:normAutofit/>
-          </a:bodyPr>
+          <a:bodyPr/>
           <a:lstStyle/>
           <a:p>
             <a:r>
-              <a:rPr lang="en-US" sz="4800" cap="none" dirty="0"/>
-              <a:t>Technique 5 : Attribute Dependency</a:t>
-            </a:r>
-            <a:endParaRPr lang="en-US" sz="4800" dirty="0"/>
+              <a:rPr lang="en-US" cap="none" dirty="0"/>
+              <a:t>Technique 2 : Division</a:t>
+            </a:r>
+            <a:endParaRPr lang="en-US" dirty="0"/>
           </a:p>
         </p:txBody>
       </p:sp>
@@ -13370,7 +13493,7 @@
             </a:pPr>
             <a:r>
               <a:rPr lang="en-GB" dirty="0"/>
-              <a:t>one thing changes as another thing changes</a:t>
+              <a:t>separate the product or its components and then rearranging them back into the product</a:t>
             </a:r>
           </a:p>
           <a:p>
@@ -13380,56 +13503,56 @@
             </a:pPr>
             <a:r>
               <a:rPr lang="en-GB" dirty="0"/>
-              <a:t>make 2 lists</a:t>
-            </a:r>
-          </a:p>
-          <a:p>
-            <a:pPr>
+              <a:t>3 types</a:t>
+            </a:r>
+          </a:p>
+          <a:p>
+            <a:pPr marL="233363" indent="223838">
               <a:buFont typeface="Wingdings" panose="05000000000000000000" pitchFamily="2" charset="2"/>
               <a:buChar char="à"/>
             </a:pPr>
             <a:r>
-              <a:rPr lang="en-GB" dirty="0"/>
-              <a:t>  list attributes of the surrounding environment and people related as 1, 2, 3</a:t>
-            </a:r>
-          </a:p>
-          <a:p>
-            <a:pPr>
+              <a:rPr lang="en-GB" sz="2000" dirty="0"/>
+              <a:t> divide functionally</a:t>
+            </a:r>
+          </a:p>
+          <a:p>
+            <a:pPr marL="233363" indent="223838">
               <a:buFont typeface="Wingdings" panose="05000000000000000000" pitchFamily="2" charset="2"/>
               <a:buChar char="à"/>
             </a:pPr>
             <a:r>
-              <a:rPr lang="en-GB" dirty="0"/>
-              <a:t>  list attributes of the product or service as A, B, C</a:t>
-            </a:r>
-          </a:p>
-          <a:p>
-            <a:pPr>
+              <a:rPr lang="en-GB" sz="2000" dirty="0"/>
+              <a:t>  divide physically</a:t>
+            </a:r>
+          </a:p>
+          <a:p>
+            <a:pPr marL="233363" indent="223838">
+              <a:buFont typeface="Wingdings" panose="05000000000000000000" pitchFamily="2" charset="2"/>
+              <a:buChar char="à"/>
+            </a:pPr>
+            <a:r>
+              <a:rPr lang="en-GB" sz="2000" dirty="0"/>
+              <a:t>  divide through preserving</a:t>
+            </a:r>
+          </a:p>
+          <a:p>
+            <a:pPr marL="233363" indent="-233363">
               <a:buFont typeface="Wingdings" panose="05000000000000000000" pitchFamily="2" charset="2"/>
               <a:buChar char="§"/>
             </a:pPr>
             <a:r>
-              <a:rPr lang="en-GB" dirty="0"/>
-              <a:t>  randomly select one attribute from each list and create a simple phrase</a:t>
-            </a:r>
-          </a:p>
-          <a:p>
-            <a:pPr>
-              <a:buFont typeface="Wingdings" panose="05000000000000000000" pitchFamily="2" charset="2"/>
-              <a:buChar char="à"/>
-            </a:pPr>
-            <a:r>
-              <a:rPr lang="en-GB" dirty="0"/>
-              <a:t>  As attribute ______ changes, so does attribute _______. </a:t>
-            </a:r>
-            <a:endParaRPr lang="en-US" dirty="0"/>
+              <a:rPr lang="en-US" dirty="0"/>
+              <a:t>cuts your biggest challenges down to size so you can see new innovative opportunities</a:t>
+            </a:r>
+            <a:endParaRPr lang="en-GB" dirty="0"/>
           </a:p>
         </p:txBody>
       </p:sp>
     </p:spTree>
     <p:extLst>
       <p:ext uri="{BB962C8B-B14F-4D97-AF65-F5344CB8AC3E}">
-        <p14:creationId xmlns:p14="http://schemas.microsoft.com/office/powerpoint/2010/main" val="2684182677"/>
+        <p14:creationId xmlns:p14="http://schemas.microsoft.com/office/powerpoint/2010/main" val="3256399381"/>
       </p:ext>
     </p:extLst>
   </p:cSld>
@@ -13442,14 +13565,6 @@
 <file path=ppt/slides/slide17.xml><?xml version="1.0" encoding="utf-8"?>
 <p:sld xmlns:a="http://schemas.openxmlformats.org/drawingml/2006/main" xmlns:r="http://schemas.openxmlformats.org/officeDocument/2006/relationships" xmlns:p="http://schemas.openxmlformats.org/presentationml/2006/main">
   <p:cSld>
-    <p:bg>
-      <p:bgPr>
-        <a:solidFill>
-          <a:schemeClr val="bg1"/>
-        </a:solidFill>
-        <a:effectLst/>
-      </p:bgPr>
-    </p:bg>
     <p:spTree>
       <p:nvGrpSpPr>
         <p:cNvPr id="1" name=""/>
@@ -13480,61 +13595,149 @@
             <p:ph type="title"/>
           </p:nvPr>
         </p:nvSpPr>
-        <p:spPr>
-          <a:xfrm>
-            <a:off x="1024128" y="585216"/>
-            <a:ext cx="9720072" cy="1499616"/>
-          </a:xfrm>
-        </p:spPr>
+        <p:spPr/>
         <p:txBody>
-          <a:bodyPr>
-            <a:normAutofit/>
-          </a:bodyPr>
+          <a:bodyPr/>
           <a:lstStyle/>
           <a:p>
             <a:r>
               <a:rPr lang="en-US" cap="none" dirty="0"/>
-              <a:t>Group Creativity</a:t>
+              <a:t>Technique 2 : Division</a:t>
             </a:r>
             <a:endParaRPr lang="en-US" dirty="0"/>
           </a:p>
         </p:txBody>
       </p:sp>
-      <p:graphicFrame>
-        <p:nvGraphicFramePr>
-          <p:cNvPr id="5" name="Content Placeholder 2">
+      <p:sp>
+        <p:nvSpPr>
+          <p:cNvPr id="3" name="Content Placeholder 2">
             <a:extLst>
               <a:ext uri="{FF2B5EF4-FFF2-40B4-BE49-F238E27FC236}">
-                <a16:creationId xmlns:a16="http://schemas.microsoft.com/office/drawing/2014/main" id="{7166C6B6-58B2-4604-841A-330834EE90F5}"/>
+                <a16:creationId xmlns:a16="http://schemas.microsoft.com/office/drawing/2014/main" id="{5BB0F1A9-0C52-43E3-AEB0-4D8C49BC2D47}"/>
               </a:ext>
             </a:extLst>
           </p:cNvPr>
-          <p:cNvGraphicFramePr>
-            <a:graphicFrameLocks noGrp="1"/>
-          </p:cNvGraphicFramePr>
+          <p:cNvSpPr>
+            <a:spLocks noGrp="1"/>
+          </p:cNvSpPr>
           <p:nvPr>
             <p:ph idx="1"/>
-            <p:extLst>
-              <p:ext uri="{D42A27DB-BD31-4B8C-83A1-F6EECF244321}">
-                <p14:modId xmlns:p14="http://schemas.microsoft.com/office/powerpoint/2010/main" val="2635289245"/>
-              </p:ext>
-            </p:extLst>
           </p:nvPr>
-        </p:nvGraphicFramePr>
-        <p:xfrm>
-          <a:off x="1023938" y="2286000"/>
-          <a:ext cx="9720262" cy="4022725"/>
-        </p:xfrm>
-        <a:graphic>
-          <a:graphicData uri="http://schemas.openxmlformats.org/drawingml/2006/diagram">
-            <dgm:relIds xmlns:dgm="http://schemas.openxmlformats.org/drawingml/2006/diagram" xmlns:r="http://schemas.openxmlformats.org/officeDocument/2006/relationships" r:dm="rId2" r:lo="rId3" r:qs="rId4" r:cs="rId5"/>
-          </a:graphicData>
-        </a:graphic>
-      </p:graphicFrame>
+        </p:nvSpPr>
+        <p:spPr/>
+        <p:txBody>
+          <a:bodyPr/>
+          <a:lstStyle/>
+          <a:p>
+            <a:pPr marL="233363" indent="-233363">
+              <a:buFont typeface="Wingdings" panose="05000000000000000000" pitchFamily="2" charset="2"/>
+              <a:buChar char="§"/>
+            </a:pPr>
+            <a:r>
+              <a:rPr lang="en-GB" dirty="0"/>
+              <a:t>separate the product or its components and then rearranging them back into the product</a:t>
+            </a:r>
+          </a:p>
+        </p:txBody>
+      </p:sp>
+      <p:pic>
+        <p:nvPicPr>
+          <p:cNvPr id="3074" name="Picture 2" descr="ผลการค้นหารูปภาพสำหรับ cake">
+            <a:extLst>
+              <a:ext uri="{FF2B5EF4-FFF2-40B4-BE49-F238E27FC236}">
+                <a16:creationId xmlns:a16="http://schemas.microsoft.com/office/drawing/2014/main" id="{682C90EB-02F4-4D4F-B4BF-9D28DCC4D55F}"/>
+              </a:ext>
+            </a:extLst>
+          </p:cNvPr>
+          <p:cNvPicPr>
+            <a:picLocks noChangeAspect="1" noChangeArrowheads="1"/>
+          </p:cNvPicPr>
+          <p:nvPr/>
+        </p:nvPicPr>
+        <p:blipFill>
+          <a:blip r:embed="rId2">
+            <a:extLst>
+              <a:ext uri="{28A0092B-C50C-407E-A947-70E740481C1C}">
+                <a14:useLocalDpi xmlns:a14="http://schemas.microsoft.com/office/drawing/2010/main" val="0"/>
+              </a:ext>
+            </a:extLst>
+          </a:blip>
+          <a:srcRect/>
+          <a:stretch>
+            <a:fillRect/>
+          </a:stretch>
+        </p:blipFill>
+        <p:spPr bwMode="auto">
+          <a:xfrm>
+            <a:off x="1359408" y="2527809"/>
+            <a:ext cx="4374987" cy="3891279"/>
+          </a:xfrm>
+          <a:prstGeom prst="rect">
+            <a:avLst/>
+          </a:prstGeom>
+          <a:noFill/>
+          <a:extLst>
+            <a:ext uri="{909E8E84-426E-40DD-AFC4-6F175D3DCCD1}">
+              <a14:hiddenFill xmlns:a14="http://schemas.microsoft.com/office/drawing/2010/main">
+                <a:solidFill>
+                  <a:srgbClr val="FFFFFF"/>
+                </a:solidFill>
+              </a14:hiddenFill>
+            </a:ext>
+          </a:extLst>
+        </p:spPr>
+      </p:pic>
+      <p:pic>
+        <p:nvPicPr>
+          <p:cNvPr id="3076" name="Picture 4" descr="ผลการค้นหารูปภาพสำหรับ cupcake">
+            <a:extLst>
+              <a:ext uri="{FF2B5EF4-FFF2-40B4-BE49-F238E27FC236}">
+                <a16:creationId xmlns:a16="http://schemas.microsoft.com/office/drawing/2014/main" id="{6EDEF7C4-8E6E-4F28-81BD-64179AFF518D}"/>
+              </a:ext>
+            </a:extLst>
+          </p:cNvPr>
+          <p:cNvPicPr>
+            <a:picLocks noChangeAspect="1" noChangeArrowheads="1"/>
+          </p:cNvPicPr>
+          <p:nvPr/>
+        </p:nvPicPr>
+        <p:blipFill>
+          <a:blip r:embed="rId3">
+            <a:extLst>
+              <a:ext uri="{28A0092B-C50C-407E-A947-70E740481C1C}">
+                <a14:useLocalDpi xmlns:a14="http://schemas.microsoft.com/office/drawing/2010/main" val="0"/>
+              </a:ext>
+            </a:extLst>
+          </a:blip>
+          <a:srcRect/>
+          <a:stretch>
+            <a:fillRect/>
+          </a:stretch>
+        </p:blipFill>
+        <p:spPr bwMode="auto">
+          <a:xfrm>
+            <a:off x="7439341" y="3119120"/>
+            <a:ext cx="3020378" cy="3020378"/>
+          </a:xfrm>
+          <a:prstGeom prst="rect">
+            <a:avLst/>
+          </a:prstGeom>
+          <a:noFill/>
+          <a:extLst>
+            <a:ext uri="{909E8E84-426E-40DD-AFC4-6F175D3DCCD1}">
+              <a14:hiddenFill xmlns:a14="http://schemas.microsoft.com/office/drawing/2010/main">
+                <a:solidFill>
+                  <a:srgbClr val="FFFFFF"/>
+                </a:solidFill>
+              </a14:hiddenFill>
+            </a:ext>
+          </a:extLst>
+        </p:spPr>
+      </p:pic>
     </p:spTree>
     <p:extLst>
       <p:ext uri="{BB962C8B-B14F-4D97-AF65-F5344CB8AC3E}">
-        <p14:creationId xmlns:p14="http://schemas.microsoft.com/office/powerpoint/2010/main" val="1338049838"/>
+        <p14:creationId xmlns:p14="http://schemas.microsoft.com/office/powerpoint/2010/main" val="3473020368"/>
       </p:ext>
     </p:extLst>
   </p:cSld>
@@ -13584,7 +13787,7 @@
           <a:p>
             <a:r>
               <a:rPr lang="en-US" cap="none" dirty="0"/>
-              <a:t>Creativity dream team</a:t>
+              <a:t>Technique 2 : Division</a:t>
             </a:r>
             <a:endParaRPr lang="en-US" dirty="0"/>
           </a:p>
@@ -13616,23 +13819,63 @@
               <a:buChar char="§"/>
             </a:pPr>
             <a:r>
-              <a:rPr lang="en-US" dirty="0"/>
-              <a:t>Diversity </a:t>
-            </a:r>
-            <a:r>
-              <a:rPr lang="en-US" dirty="0">
-                <a:sym typeface="Wingdings" panose="05000000000000000000" pitchFamily="2" charset="2"/>
-              </a:rPr>
-              <a:t> functional, gender, cultural</a:t>
-            </a:r>
-            <a:endParaRPr lang="en-US" dirty="0"/>
+              <a:rPr lang="en-GB" dirty="0"/>
+              <a:t>separate the product or its components and then rearranging them back into the product</a:t>
+            </a:r>
           </a:p>
         </p:txBody>
       </p:sp>
+      <p:pic>
+        <p:nvPicPr>
+          <p:cNvPr id="3078" name="Picture 6" descr="cool bench">
+            <a:extLst>
+              <a:ext uri="{FF2B5EF4-FFF2-40B4-BE49-F238E27FC236}">
+                <a16:creationId xmlns:a16="http://schemas.microsoft.com/office/drawing/2014/main" id="{D014F7C9-0723-44FB-BE69-3DFBF6693E18}"/>
+              </a:ext>
+            </a:extLst>
+          </p:cNvPr>
+          <p:cNvPicPr>
+            <a:picLocks noChangeAspect="1" noChangeArrowheads="1"/>
+          </p:cNvPicPr>
+          <p:nvPr/>
+        </p:nvPicPr>
+        <p:blipFill>
+          <a:blip r:embed="rId2">
+            <a:extLst>
+              <a:ext uri="{28A0092B-C50C-407E-A947-70E740481C1C}">
+                <a14:useLocalDpi xmlns:a14="http://schemas.microsoft.com/office/drawing/2010/main" val="0"/>
+              </a:ext>
+            </a:extLst>
+          </a:blip>
+          <a:srcRect/>
+          <a:stretch>
+            <a:fillRect/>
+          </a:stretch>
+        </p:blipFill>
+        <p:spPr bwMode="auto">
+          <a:xfrm>
+            <a:off x="5821680" y="3023080"/>
+            <a:ext cx="2584133" cy="3834920"/>
+          </a:xfrm>
+          <a:prstGeom prst="rect">
+            <a:avLst/>
+          </a:prstGeom>
+          <a:noFill/>
+          <a:extLst>
+            <a:ext uri="{909E8E84-426E-40DD-AFC4-6F175D3DCCD1}">
+              <a14:hiddenFill xmlns:a14="http://schemas.microsoft.com/office/drawing/2010/main">
+                <a:solidFill>
+                  <a:srgbClr val="FFFFFF"/>
+                </a:solidFill>
+              </a14:hiddenFill>
+            </a:ext>
+          </a:extLst>
+        </p:spPr>
+      </p:pic>
     </p:spTree>
     <p:extLst>
       <p:ext uri="{BB962C8B-B14F-4D97-AF65-F5344CB8AC3E}">
-        <p14:creationId xmlns:p14="http://schemas.microsoft.com/office/powerpoint/2010/main" val="3014066406"/>
+        <p14:creationId xmlns:p14="http://schemas.microsoft.com/office/powerpoint/2010/main" val="3552865297"/>
       </p:ext>
     </p:extLst>
   </p:cSld>
@@ -13682,7 +13925,7 @@
           <a:p>
             <a:r>
               <a:rPr lang="en-US" cap="none" dirty="0"/>
-              <a:t>Facilitate group</a:t>
+              <a:t>Technique 2 : Division</a:t>
             </a:r>
             <a:endParaRPr lang="en-US" dirty="0"/>
           </a:p>
@@ -13709,71 +13952,162 @@
           <a:bodyPr/>
           <a:lstStyle/>
           <a:p>
-            <a:pPr>
+            <a:pPr marL="233363" indent="-233363">
               <a:buFont typeface="Wingdings" panose="05000000000000000000" pitchFamily="2" charset="2"/>
               <a:buChar char="§"/>
             </a:pPr>
             <a:r>
-              <a:rPr lang="en-US" dirty="0"/>
-              <a:t>  decide on a workshop location</a:t>
-            </a:r>
-          </a:p>
-          <a:p>
-            <a:pPr>
-              <a:buFont typeface="Wingdings" panose="05000000000000000000" pitchFamily="2" charset="2"/>
-              <a:buChar char="§"/>
-            </a:pPr>
-            <a:r>
-              <a:rPr lang="en-US" dirty="0"/>
-              <a:t>  identify constraints</a:t>
-            </a:r>
-          </a:p>
-          <a:p>
-            <a:pPr>
-              <a:buFont typeface="Wingdings" panose="05000000000000000000" pitchFamily="2" charset="2"/>
-              <a:buChar char="§"/>
-            </a:pPr>
-            <a:r>
-              <a:rPr lang="en-US" dirty="0"/>
-              <a:t>  decide which of 5 techniques to apply</a:t>
-            </a:r>
-          </a:p>
-          <a:p>
-            <a:pPr>
-              <a:buFont typeface="Wingdings" panose="05000000000000000000" pitchFamily="2" charset="2"/>
-              <a:buChar char="§"/>
-            </a:pPr>
-            <a:r>
-              <a:rPr lang="en-US" dirty="0"/>
-              <a:t>  create a list of the components</a:t>
-            </a:r>
-          </a:p>
-          <a:p>
-            <a:pPr>
-              <a:buFont typeface="Wingdings" panose="05000000000000000000" pitchFamily="2" charset="2"/>
-              <a:buChar char="§"/>
-            </a:pPr>
-            <a:r>
-              <a:rPr lang="en-US" dirty="0"/>
-              <a:t>  work in smaller groups with different component</a:t>
-            </a:r>
-          </a:p>
-          <a:p>
-            <a:pPr>
-              <a:buFont typeface="Wingdings" panose="05000000000000000000" pitchFamily="2" charset="2"/>
-              <a:buChar char="§"/>
-            </a:pPr>
-            <a:r>
-              <a:rPr lang="en-US" dirty="0"/>
-              <a:t>  prevent bias with ideas</a:t>
+              <a:rPr lang="en-GB" dirty="0"/>
+              <a:t>separate the product or its components and then rearranging them back into the product</a:t>
             </a:r>
           </a:p>
         </p:txBody>
       </p:sp>
+      <p:pic>
+        <p:nvPicPr>
+          <p:cNvPr id="5122" name="Picture 2" descr="need a good pattern for outdoor shorts - definitely NOT with the zip off legs">
+            <a:extLst>
+              <a:ext uri="{FF2B5EF4-FFF2-40B4-BE49-F238E27FC236}">
+                <a16:creationId xmlns:a16="http://schemas.microsoft.com/office/drawing/2014/main" id="{A462794B-C112-4BFB-9F8E-2B361B9155C5}"/>
+              </a:ext>
+            </a:extLst>
+          </p:cNvPr>
+          <p:cNvPicPr>
+            <a:picLocks noChangeAspect="1" noChangeArrowheads="1"/>
+          </p:cNvPicPr>
+          <p:nvPr/>
+        </p:nvPicPr>
+        <p:blipFill>
+          <a:blip r:embed="rId2">
+            <a:extLst>
+              <a:ext uri="{28A0092B-C50C-407E-A947-70E740481C1C}">
+                <a14:useLocalDpi xmlns:a14="http://schemas.microsoft.com/office/drawing/2010/main" val="0"/>
+              </a:ext>
+            </a:extLst>
+          </a:blip>
+          <a:srcRect/>
+          <a:stretch>
+            <a:fillRect/>
+          </a:stretch>
+        </p:blipFill>
+        <p:spPr bwMode="auto">
+          <a:xfrm>
+            <a:off x="5329238" y="2755505"/>
+            <a:ext cx="2158682" cy="3217911"/>
+          </a:xfrm>
+          <a:prstGeom prst="rect">
+            <a:avLst/>
+          </a:prstGeom>
+          <a:noFill/>
+          <a:extLst>
+            <a:ext uri="{909E8E84-426E-40DD-AFC4-6F175D3DCCD1}">
+              <a14:hiddenFill xmlns:a14="http://schemas.microsoft.com/office/drawing/2010/main">
+                <a:solidFill>
+                  <a:srgbClr val="FFFFFF"/>
+                </a:solidFill>
+              </a14:hiddenFill>
+            </a:ext>
+          </a:extLst>
+        </p:spPr>
+      </p:pic>
+      <p:pic>
+        <p:nvPicPr>
+          <p:cNvPr id="5124" name="Picture 4" descr="Kitchen Tray">
+            <a:extLst>
+              <a:ext uri="{FF2B5EF4-FFF2-40B4-BE49-F238E27FC236}">
+                <a16:creationId xmlns:a16="http://schemas.microsoft.com/office/drawing/2014/main" id="{BFDE9157-2F35-4DE3-95F1-BEF2E85B236F}"/>
+              </a:ext>
+            </a:extLst>
+          </p:cNvPr>
+          <p:cNvPicPr>
+            <a:picLocks noChangeAspect="1" noChangeArrowheads="1"/>
+          </p:cNvPicPr>
+          <p:nvPr/>
+        </p:nvPicPr>
+        <p:blipFill>
+          <a:blip r:embed="rId3">
+            <a:extLst>
+              <a:ext uri="{28A0092B-C50C-407E-A947-70E740481C1C}">
+                <a14:useLocalDpi xmlns:a14="http://schemas.microsoft.com/office/drawing/2010/main" val="0"/>
+              </a:ext>
+            </a:extLst>
+          </a:blip>
+          <a:srcRect/>
+          <a:stretch>
+            <a:fillRect/>
+          </a:stretch>
+        </p:blipFill>
+        <p:spPr bwMode="auto">
+          <a:xfrm>
+            <a:off x="8148318" y="3429000"/>
+            <a:ext cx="2686051" cy="2652713"/>
+          </a:xfrm>
+          <a:prstGeom prst="rect">
+            <a:avLst/>
+          </a:prstGeom>
+          <a:noFill/>
+          <a:extLst>
+            <a:ext uri="{909E8E84-426E-40DD-AFC4-6F175D3DCCD1}">
+              <a14:hiddenFill xmlns:a14="http://schemas.microsoft.com/office/drawing/2010/main">
+                <a:solidFill>
+                  <a:srgbClr val="FFFFFF"/>
+                </a:solidFill>
+              </a14:hiddenFill>
+            </a:ext>
+          </a:extLst>
+        </p:spPr>
+      </p:pic>
+      <p:pic>
+        <p:nvPicPr>
+          <p:cNvPr id="5126" name="Picture 6" descr="From Crystaline Kline Randazzo: Multiplication. EasyClip EC 154 Eyeglasses | Women's Semi Rimless Eye Glasses">
+            <a:extLst>
+              <a:ext uri="{FF2B5EF4-FFF2-40B4-BE49-F238E27FC236}">
+                <a16:creationId xmlns:a16="http://schemas.microsoft.com/office/drawing/2014/main" id="{05385B4C-0259-4533-8896-1B2F96662EFD}"/>
+              </a:ext>
+            </a:extLst>
+          </p:cNvPr>
+          <p:cNvPicPr>
+            <a:picLocks noChangeAspect="1" noChangeArrowheads="1"/>
+          </p:cNvPicPr>
+          <p:nvPr/>
+        </p:nvPicPr>
+        <p:blipFill>
+          <a:blip r:embed="rId4">
+            <a:extLst>
+              <a:ext uri="{28A0092B-C50C-407E-A947-70E740481C1C}">
+                <a14:useLocalDpi xmlns:a14="http://schemas.microsoft.com/office/drawing/2010/main" val="0"/>
+              </a:ext>
+            </a:extLst>
+          </a:blip>
+          <a:srcRect/>
+          <a:stretch>
+            <a:fillRect/>
+          </a:stretch>
+        </p:blipFill>
+        <p:spPr bwMode="auto">
+          <a:xfrm>
+            <a:off x="1057910" y="4297680"/>
+            <a:ext cx="3631952" cy="1345883"/>
+          </a:xfrm>
+          <a:prstGeom prst="rect">
+            <a:avLst/>
+          </a:prstGeom>
+          <a:noFill/>
+          <a:extLst>
+            <a:ext uri="{909E8E84-426E-40DD-AFC4-6F175D3DCCD1}">
+              <a14:hiddenFill xmlns:a14="http://schemas.microsoft.com/office/drawing/2010/main">
+                <a:solidFill>
+                  <a:srgbClr val="FFFFFF"/>
+                </a:solidFill>
+              </a14:hiddenFill>
+            </a:ext>
+          </a:extLst>
+        </p:spPr>
+      </p:pic>
     </p:spTree>
     <p:extLst>
       <p:ext uri="{BB962C8B-B14F-4D97-AF65-F5344CB8AC3E}">
-        <p14:creationId xmlns:p14="http://schemas.microsoft.com/office/powerpoint/2010/main" val="2438323300"/>
+        <p14:creationId xmlns:p14="http://schemas.microsoft.com/office/powerpoint/2010/main" val="636457522"/>
       </p:ext>
     </p:extLst>
   </p:cSld>
@@ -13944,7 +14278,7 @@
           <a:p>
             <a:r>
               <a:rPr lang="en-US" cap="none" dirty="0"/>
-              <a:t>Select the best ideas</a:t>
+              <a:t>Technique 3 : Multiplication</a:t>
             </a:r>
             <a:endParaRPr lang="en-US" dirty="0"/>
           </a:p>
@@ -13976,46 +14310,58 @@
               <a:buChar char="§"/>
             </a:pPr>
             <a:r>
-              <a:rPr lang="en-US" dirty="0"/>
-              <a:t>decide what qualifies as a great idea</a:t>
-            </a:r>
+              <a:rPr lang="en-GB" dirty="0"/>
+              <a:t>copy an element already existing in a product but change it in some counterintuitive way</a:t>
+            </a:r>
+            <a:endParaRPr lang="en-US" dirty="0"/>
           </a:p>
           <a:p>
             <a:pPr marL="233363" indent="-233363">
               <a:buFont typeface="Wingdings" panose="05000000000000000000" pitchFamily="2" charset="2"/>
               <a:buChar char="§"/>
             </a:pPr>
-            <a:r>
-              <a:rPr lang="en-US" dirty="0"/>
-              <a:t>put all your ideas in a standard format</a:t>
-            </a:r>
-          </a:p>
-          <a:p>
-            <a:pPr marL="233363" indent="-233363">
-              <a:buFont typeface="Wingdings" panose="05000000000000000000" pitchFamily="2" charset="2"/>
-              <a:buChar char="§"/>
-            </a:pPr>
-            <a:r>
-              <a:rPr lang="en-US" dirty="0"/>
-              <a:t>individuals review lists of ideas</a:t>
-            </a:r>
-          </a:p>
-          <a:p>
-            <a:pPr marL="233363" indent="-233363">
-              <a:buFont typeface="Wingdings" panose="05000000000000000000" pitchFamily="2" charset="2"/>
-              <a:buChar char="§"/>
-            </a:pPr>
-            <a:r>
-              <a:rPr lang="en-US" dirty="0"/>
-              <a:t>votes are tallied</a:t>
-            </a:r>
+            <a:endParaRPr lang="en-GB" dirty="0"/>
           </a:p>
         </p:txBody>
       </p:sp>
+      <p:pic>
+        <p:nvPicPr>
+          <p:cNvPr id="4" name="Picture 3">
+            <a:extLst>
+              <a:ext uri="{FF2B5EF4-FFF2-40B4-BE49-F238E27FC236}">
+                <a16:creationId xmlns:a16="http://schemas.microsoft.com/office/drawing/2014/main" id="{3CB5C308-7DE3-4DE5-A0AA-E212C4206FD4}"/>
+              </a:ext>
+            </a:extLst>
+          </p:cNvPr>
+          <p:cNvPicPr/>
+          <p:nvPr/>
+        </p:nvPicPr>
+        <p:blipFill>
+          <a:blip r:embed="rId2" cstate="print">
+            <a:extLst>
+              <a:ext uri="{28A0092B-C50C-407E-A947-70E740481C1C}">
+                <a14:useLocalDpi xmlns:a14="http://schemas.microsoft.com/office/drawing/2010/main" val="0"/>
+              </a:ext>
+            </a:extLst>
+          </a:blip>
+          <a:stretch>
+            <a:fillRect/>
+          </a:stretch>
+        </p:blipFill>
+        <p:spPr>
+          <a:xfrm>
+            <a:off x="4876800" y="3429000"/>
+            <a:ext cx="2438400" cy="1885950"/>
+          </a:xfrm>
+          <a:prstGeom prst="rect">
+            <a:avLst/>
+          </a:prstGeom>
+        </p:spPr>
+      </p:pic>
     </p:spTree>
     <p:extLst>
       <p:ext uri="{BB962C8B-B14F-4D97-AF65-F5344CB8AC3E}">
-        <p14:creationId xmlns:p14="http://schemas.microsoft.com/office/powerpoint/2010/main" val="3482896242"/>
+        <p14:creationId xmlns:p14="http://schemas.microsoft.com/office/powerpoint/2010/main" val="2780542593"/>
       </p:ext>
     </p:extLst>
   </p:cSld>
@@ -14065,7 +14411,7 @@
           <a:p>
             <a:r>
               <a:rPr lang="en-US" cap="none" dirty="0"/>
-              <a:t>Conclusion</a:t>
+              <a:t>Technique 3 : Multiplication</a:t>
             </a:r>
             <a:endParaRPr lang="en-US" dirty="0"/>
           </a:p>
@@ -14097,30 +14443,240 @@
               <a:buChar char="§"/>
             </a:pPr>
             <a:r>
-              <a:rPr lang="en-US" dirty="0"/>
-              <a:t>SIT with Function follow form principle &amp; 5 thinking techniques</a:t>
-            </a:r>
+              <a:rPr lang="en-GB" dirty="0"/>
+              <a:t>copy an element already existing in a product but change it in some counterintuitive way</a:t>
+            </a:r>
+            <a:endParaRPr lang="en-US" dirty="0"/>
           </a:p>
           <a:p>
             <a:pPr marL="233363" indent="-233363">
               <a:buFont typeface="Wingdings" panose="05000000000000000000" pitchFamily="2" charset="2"/>
               <a:buChar char="§"/>
             </a:pPr>
-            <a:r>
-              <a:rPr lang="en-US" dirty="0"/>
-              <a:t>Drew Boyd’s Pinterest for example (</a:t>
-            </a:r>
-            <a:r>
-              <a:rPr lang="en-US" dirty="0">
-                <a:hlinkClick r:id="rId2"/>
-              </a:rPr>
-              <a:t>www.pinterest.com/drewboyd</a:t>
-            </a:r>
-            <a:r>
-              <a:rPr lang="en-US" dirty="0"/>
-              <a:t>)</a:t>
-            </a:r>
-          </a:p>
+            <a:endParaRPr lang="en-GB" dirty="0"/>
+          </a:p>
+        </p:txBody>
+      </p:sp>
+      <p:pic>
+        <p:nvPicPr>
+          <p:cNvPr id="6146" name="Picture 2" descr=" ">
+            <a:extLst>
+              <a:ext uri="{FF2B5EF4-FFF2-40B4-BE49-F238E27FC236}">
+                <a16:creationId xmlns:a16="http://schemas.microsoft.com/office/drawing/2014/main" id="{B9F1A6D9-5A90-43AD-A672-736BF8415B58}"/>
+              </a:ext>
+            </a:extLst>
+          </p:cNvPr>
+          <p:cNvPicPr>
+            <a:picLocks noChangeAspect="1" noChangeArrowheads="1"/>
+          </p:cNvPicPr>
+          <p:nvPr/>
+        </p:nvPicPr>
+        <p:blipFill>
+          <a:blip r:embed="rId2">
+            <a:extLst>
+              <a:ext uri="{28A0092B-C50C-407E-A947-70E740481C1C}">
+                <a14:useLocalDpi xmlns:a14="http://schemas.microsoft.com/office/drawing/2010/main" val="0"/>
+              </a:ext>
+            </a:extLst>
+          </a:blip>
+          <a:srcRect/>
+          <a:stretch>
+            <a:fillRect/>
+          </a:stretch>
+        </p:blipFill>
+        <p:spPr bwMode="auto">
+          <a:xfrm>
+            <a:off x="5574256" y="2753360"/>
+            <a:ext cx="3169694" cy="4104640"/>
+          </a:xfrm>
+          <a:prstGeom prst="rect">
+            <a:avLst/>
+          </a:prstGeom>
+          <a:noFill/>
+          <a:extLst>
+            <a:ext uri="{909E8E84-426E-40DD-AFC4-6F175D3DCCD1}">
+              <a14:hiddenFill xmlns:a14="http://schemas.microsoft.com/office/drawing/2010/main">
+                <a:solidFill>
+                  <a:srgbClr val="FFFFFF"/>
+                </a:solidFill>
+              </a14:hiddenFill>
+            </a:ext>
+          </a:extLst>
+        </p:spPr>
+      </p:pic>
+      <p:pic>
+        <p:nvPicPr>
+          <p:cNvPr id="6148" name="Picture 4" descr="Muller Yogurt - two containers with different contents.">
+            <a:extLst>
+              <a:ext uri="{FF2B5EF4-FFF2-40B4-BE49-F238E27FC236}">
+                <a16:creationId xmlns:a16="http://schemas.microsoft.com/office/drawing/2014/main" id="{567182A4-85D5-441B-9A93-EE5CE3ECC641}"/>
+              </a:ext>
+            </a:extLst>
+          </p:cNvPr>
+          <p:cNvPicPr>
+            <a:picLocks noChangeAspect="1" noChangeArrowheads="1"/>
+          </p:cNvPicPr>
+          <p:nvPr/>
+        </p:nvPicPr>
+        <p:blipFill>
+          <a:blip r:embed="rId3">
+            <a:extLst>
+              <a:ext uri="{28A0092B-C50C-407E-A947-70E740481C1C}">
+                <a14:useLocalDpi xmlns:a14="http://schemas.microsoft.com/office/drawing/2010/main" val="0"/>
+              </a:ext>
+            </a:extLst>
+          </a:blip>
+          <a:srcRect/>
+          <a:stretch>
+            <a:fillRect/>
+          </a:stretch>
+        </p:blipFill>
+        <p:spPr bwMode="auto">
+          <a:xfrm>
+            <a:off x="1024128" y="3196209"/>
+            <a:ext cx="3505200" cy="3076575"/>
+          </a:xfrm>
+          <a:prstGeom prst="rect">
+            <a:avLst/>
+          </a:prstGeom>
+          <a:noFill/>
+          <a:extLst>
+            <a:ext uri="{909E8E84-426E-40DD-AFC4-6F175D3DCCD1}">
+              <a14:hiddenFill xmlns:a14="http://schemas.microsoft.com/office/drawing/2010/main">
+                <a:solidFill>
+                  <a:srgbClr val="FFFFFF"/>
+                </a:solidFill>
+              </a14:hiddenFill>
+            </a:ext>
+          </a:extLst>
+        </p:spPr>
+      </p:pic>
+      <p:pic>
+        <p:nvPicPr>
+          <p:cNvPr id="6150" name="Picture 6" descr="Phone charger with multiple connections">
+            <a:extLst>
+              <a:ext uri="{FF2B5EF4-FFF2-40B4-BE49-F238E27FC236}">
+                <a16:creationId xmlns:a16="http://schemas.microsoft.com/office/drawing/2014/main" id="{11C33617-0920-4182-86A5-5E83886A8CDF}"/>
+              </a:ext>
+            </a:extLst>
+          </p:cNvPr>
+          <p:cNvPicPr>
+            <a:picLocks noChangeAspect="1" noChangeArrowheads="1"/>
+          </p:cNvPicPr>
+          <p:nvPr/>
+        </p:nvPicPr>
+        <p:blipFill>
+          <a:blip r:embed="rId4">
+            <a:extLst>
+              <a:ext uri="{28A0092B-C50C-407E-A947-70E740481C1C}">
+                <a14:useLocalDpi xmlns:a14="http://schemas.microsoft.com/office/drawing/2010/main" val="0"/>
+              </a:ext>
+            </a:extLst>
+          </a:blip>
+          <a:srcRect/>
+          <a:stretch>
+            <a:fillRect/>
+          </a:stretch>
+        </p:blipFill>
+        <p:spPr bwMode="auto">
+          <a:xfrm>
+            <a:off x="9419273" y="3754438"/>
+            <a:ext cx="2009775" cy="1685925"/>
+          </a:xfrm>
+          <a:prstGeom prst="rect">
+            <a:avLst/>
+          </a:prstGeom>
+          <a:noFill/>
+          <a:extLst>
+            <a:ext uri="{909E8E84-426E-40DD-AFC4-6F175D3DCCD1}">
+              <a14:hiddenFill xmlns:a14="http://schemas.microsoft.com/office/drawing/2010/main">
+                <a:solidFill>
+                  <a:srgbClr val="FFFFFF"/>
+                </a:solidFill>
+              </a14:hiddenFill>
+            </a:ext>
+          </a:extLst>
+        </p:spPr>
+      </p:pic>
+    </p:spTree>
+    <p:extLst>
+      <p:ext uri="{BB962C8B-B14F-4D97-AF65-F5344CB8AC3E}">
+        <p14:creationId xmlns:p14="http://schemas.microsoft.com/office/powerpoint/2010/main" val="4208600814"/>
+      </p:ext>
+    </p:extLst>
+  </p:cSld>
+  <p:clrMapOvr>
+    <a:masterClrMapping/>
+  </p:clrMapOvr>
+</p:sld>
+</file>
+
+<file path=ppt/slides/slide22.xml><?xml version="1.0" encoding="utf-8"?>
+<p:sld xmlns:a="http://schemas.openxmlformats.org/drawingml/2006/main" xmlns:r="http://schemas.openxmlformats.org/officeDocument/2006/relationships" xmlns:p="http://schemas.openxmlformats.org/presentationml/2006/main">
+  <p:cSld>
+    <p:spTree>
+      <p:nvGrpSpPr>
+        <p:cNvPr id="1" name=""/>
+        <p:cNvGrpSpPr/>
+        <p:nvPr/>
+      </p:nvGrpSpPr>
+      <p:grpSpPr>
+        <a:xfrm>
+          <a:off x="0" y="0"/>
+          <a:ext cx="0" cy="0"/>
+          <a:chOff x="0" y="0"/>
+          <a:chExt cx="0" cy="0"/>
+        </a:xfrm>
+      </p:grpSpPr>
+      <p:sp>
+        <p:nvSpPr>
+          <p:cNvPr id="2" name="Title 1">
+            <a:extLst>
+              <a:ext uri="{FF2B5EF4-FFF2-40B4-BE49-F238E27FC236}">
+                <a16:creationId xmlns:a16="http://schemas.microsoft.com/office/drawing/2014/main" id="{C5586F5E-8657-4305-B9AF-5BC47382C110}"/>
+              </a:ext>
+            </a:extLst>
+          </p:cNvPr>
+          <p:cNvSpPr>
+            <a:spLocks noGrp="1"/>
+          </p:cNvSpPr>
+          <p:nvPr>
+            <p:ph type="title"/>
+          </p:nvPr>
+        </p:nvSpPr>
+        <p:spPr/>
+        <p:txBody>
+          <a:bodyPr/>
+          <a:lstStyle/>
+          <a:p>
+            <a:r>
+              <a:rPr lang="en-US" cap="none" dirty="0"/>
+              <a:t>Technique 4 : Task Unification</a:t>
+            </a:r>
+            <a:endParaRPr lang="en-US" dirty="0"/>
+          </a:p>
+        </p:txBody>
+      </p:sp>
+      <p:sp>
+        <p:nvSpPr>
+          <p:cNvPr id="3" name="Content Placeholder 2">
+            <a:extLst>
+              <a:ext uri="{FF2B5EF4-FFF2-40B4-BE49-F238E27FC236}">
+                <a16:creationId xmlns:a16="http://schemas.microsoft.com/office/drawing/2014/main" id="{5BB0F1A9-0C52-43E3-AEB0-4D8C49BC2D47}"/>
+              </a:ext>
+            </a:extLst>
+          </p:cNvPr>
+          <p:cNvSpPr>
+            <a:spLocks noGrp="1"/>
+          </p:cNvSpPr>
+          <p:nvPr>
+            <p:ph idx="1"/>
+          </p:nvPr>
+        </p:nvSpPr>
+        <p:spPr/>
+        <p:txBody>
+          <a:bodyPr/>
+          <a:lstStyle/>
           <a:p>
             <a:pPr marL="233363" indent="-233363">
               <a:buFont typeface="Wingdings" panose="05000000000000000000" pitchFamily="2" charset="2"/>
@@ -14128,7 +14684,55 @@
             </a:pPr>
             <a:r>
               <a:rPr lang="en-GB" dirty="0"/>
-              <a:t>go out there and do it !</a:t>
+              <a:t>assign additional tasks to an existing resource</a:t>
+            </a:r>
+          </a:p>
+          <a:p>
+            <a:pPr marL="233363" indent="-233363">
+              <a:buFont typeface="Wingdings" panose="05000000000000000000" pitchFamily="2" charset="2"/>
+              <a:buChar char="§"/>
+            </a:pPr>
+            <a:r>
+              <a:rPr lang="en-GB" dirty="0"/>
+              <a:t>3 general ways</a:t>
+            </a:r>
+          </a:p>
+          <a:p>
+            <a:pPr>
+              <a:buFont typeface="Wingdings" panose="05000000000000000000" pitchFamily="2" charset="2"/>
+              <a:buChar char="à"/>
+            </a:pPr>
+            <a:r>
+              <a:rPr lang="en-GB" dirty="0"/>
+              <a:t>  </a:t>
+            </a:r>
+            <a:r>
+              <a:rPr lang="en-US" dirty="0"/>
+              <a:t>an internal component takes the job of another internal component</a:t>
+            </a:r>
+          </a:p>
+          <a:p>
+            <a:pPr>
+              <a:buFont typeface="Wingdings" panose="05000000000000000000" pitchFamily="2" charset="2"/>
+              <a:buChar char="à"/>
+            </a:pPr>
+            <a:r>
+              <a:rPr lang="en-US" dirty="0"/>
+              <a:t>  an internal component takes the job of an external component</a:t>
+            </a:r>
+          </a:p>
+          <a:p>
+            <a:pPr>
+              <a:buFont typeface="Wingdings" panose="05000000000000000000" pitchFamily="2" charset="2"/>
+              <a:buChar char="à"/>
+            </a:pPr>
+            <a:r>
+              <a:rPr lang="en-US" dirty="0"/>
+              <a:t>  </a:t>
+            </a:r>
+            <a:r>
+              <a:rPr lang="en-GB" dirty="0"/>
+              <a:t>an external component takes the job of an internal component</a:t>
             </a:r>
             <a:endParaRPr lang="en-US" dirty="0"/>
           </a:p>
@@ -14137,7 +14741,1092 @@
     </p:spTree>
     <p:extLst>
       <p:ext uri="{BB962C8B-B14F-4D97-AF65-F5344CB8AC3E}">
-        <p14:creationId xmlns:p14="http://schemas.microsoft.com/office/powerpoint/2010/main" val="3512051662"/>
+        <p14:creationId xmlns:p14="http://schemas.microsoft.com/office/powerpoint/2010/main" val="2732650660"/>
+      </p:ext>
+    </p:extLst>
+  </p:cSld>
+  <p:clrMapOvr>
+    <a:masterClrMapping/>
+  </p:clrMapOvr>
+</p:sld>
+</file>
+
+<file path=ppt/slides/slide23.xml><?xml version="1.0" encoding="utf-8"?>
+<p:sld xmlns:a="http://schemas.openxmlformats.org/drawingml/2006/main" xmlns:r="http://schemas.openxmlformats.org/officeDocument/2006/relationships" xmlns:p="http://schemas.openxmlformats.org/presentationml/2006/main">
+  <p:cSld>
+    <p:spTree>
+      <p:nvGrpSpPr>
+        <p:cNvPr id="1" name=""/>
+        <p:cNvGrpSpPr/>
+        <p:nvPr/>
+      </p:nvGrpSpPr>
+      <p:grpSpPr>
+        <a:xfrm>
+          <a:off x="0" y="0"/>
+          <a:ext cx="0" cy="0"/>
+          <a:chOff x="0" y="0"/>
+          <a:chExt cx="0" cy="0"/>
+        </a:xfrm>
+      </p:grpSpPr>
+      <p:sp>
+        <p:nvSpPr>
+          <p:cNvPr id="2" name="Title 1">
+            <a:extLst>
+              <a:ext uri="{FF2B5EF4-FFF2-40B4-BE49-F238E27FC236}">
+                <a16:creationId xmlns:a16="http://schemas.microsoft.com/office/drawing/2014/main" id="{C5586F5E-8657-4305-B9AF-5BC47382C110}"/>
+              </a:ext>
+            </a:extLst>
+          </p:cNvPr>
+          <p:cNvSpPr>
+            <a:spLocks noGrp="1"/>
+          </p:cNvSpPr>
+          <p:nvPr>
+            <p:ph type="title"/>
+          </p:nvPr>
+        </p:nvSpPr>
+        <p:spPr/>
+        <p:txBody>
+          <a:bodyPr/>
+          <a:lstStyle/>
+          <a:p>
+            <a:r>
+              <a:rPr lang="en-US" cap="none" dirty="0"/>
+              <a:t>Technique 4 : Task Unification</a:t>
+            </a:r>
+            <a:endParaRPr lang="en-US" dirty="0"/>
+          </a:p>
+        </p:txBody>
+      </p:sp>
+      <p:sp>
+        <p:nvSpPr>
+          <p:cNvPr id="3" name="Content Placeholder 2">
+            <a:extLst>
+              <a:ext uri="{FF2B5EF4-FFF2-40B4-BE49-F238E27FC236}">
+                <a16:creationId xmlns:a16="http://schemas.microsoft.com/office/drawing/2014/main" id="{5BB0F1A9-0C52-43E3-AEB0-4D8C49BC2D47}"/>
+              </a:ext>
+            </a:extLst>
+          </p:cNvPr>
+          <p:cNvSpPr>
+            <a:spLocks noGrp="1"/>
+          </p:cNvSpPr>
+          <p:nvPr>
+            <p:ph idx="1"/>
+          </p:nvPr>
+        </p:nvSpPr>
+        <p:spPr/>
+        <p:txBody>
+          <a:bodyPr/>
+          <a:lstStyle/>
+          <a:p>
+            <a:pPr marL="233363" indent="-233363">
+              <a:buFont typeface="Wingdings" panose="05000000000000000000" pitchFamily="2" charset="2"/>
+              <a:buChar char="§"/>
+            </a:pPr>
+            <a:r>
+              <a:rPr lang="en-GB" dirty="0"/>
+              <a:t>assign additional tasks to an existing resource</a:t>
+            </a:r>
+          </a:p>
+        </p:txBody>
+      </p:sp>
+      <p:pic>
+        <p:nvPicPr>
+          <p:cNvPr id="7170" name="Picture 2" descr="Duck Bath Thermometer">
+            <a:extLst>
+              <a:ext uri="{FF2B5EF4-FFF2-40B4-BE49-F238E27FC236}">
+                <a16:creationId xmlns:a16="http://schemas.microsoft.com/office/drawing/2014/main" id="{6DFD6E18-78BF-4A07-B3B5-F4B369D90622}"/>
+              </a:ext>
+            </a:extLst>
+          </p:cNvPr>
+          <p:cNvPicPr>
+            <a:picLocks noChangeAspect="1" noChangeArrowheads="1"/>
+          </p:cNvPicPr>
+          <p:nvPr/>
+        </p:nvPicPr>
+        <p:blipFill>
+          <a:blip r:embed="rId2">
+            <a:extLst>
+              <a:ext uri="{28A0092B-C50C-407E-A947-70E740481C1C}">
+                <a14:useLocalDpi xmlns:a14="http://schemas.microsoft.com/office/drawing/2010/main" val="0"/>
+              </a:ext>
+            </a:extLst>
+          </a:blip>
+          <a:srcRect/>
+          <a:stretch>
+            <a:fillRect/>
+          </a:stretch>
+        </p:blipFill>
+        <p:spPr bwMode="auto">
+          <a:xfrm>
+            <a:off x="1024128" y="3137853"/>
+            <a:ext cx="2247900" cy="2695575"/>
+          </a:xfrm>
+          <a:prstGeom prst="rect">
+            <a:avLst/>
+          </a:prstGeom>
+          <a:noFill/>
+          <a:extLst>
+            <a:ext uri="{909E8E84-426E-40DD-AFC4-6F175D3DCCD1}">
+              <a14:hiddenFill xmlns:a14="http://schemas.microsoft.com/office/drawing/2010/main">
+                <a:solidFill>
+                  <a:srgbClr val="FFFFFF"/>
+                </a:solidFill>
+              </a14:hiddenFill>
+            </a:ext>
+          </a:extLst>
+        </p:spPr>
+      </p:pic>
+      <p:pic>
+        <p:nvPicPr>
+          <p:cNvPr id="7172" name="Picture 4" descr="Multi-tasking stairs">
+            <a:extLst>
+              <a:ext uri="{FF2B5EF4-FFF2-40B4-BE49-F238E27FC236}">
+                <a16:creationId xmlns:a16="http://schemas.microsoft.com/office/drawing/2014/main" id="{CF47F8F3-67E4-4A9D-AC47-0FB05DF6CC78}"/>
+              </a:ext>
+            </a:extLst>
+          </p:cNvPr>
+          <p:cNvPicPr>
+            <a:picLocks noChangeAspect="1" noChangeArrowheads="1"/>
+          </p:cNvPicPr>
+          <p:nvPr/>
+        </p:nvPicPr>
+        <p:blipFill>
+          <a:blip r:embed="rId3">
+            <a:extLst>
+              <a:ext uri="{28A0092B-C50C-407E-A947-70E740481C1C}">
+                <a14:useLocalDpi xmlns:a14="http://schemas.microsoft.com/office/drawing/2010/main" val="0"/>
+              </a:ext>
+            </a:extLst>
+          </a:blip>
+          <a:srcRect/>
+          <a:stretch>
+            <a:fillRect/>
+          </a:stretch>
+        </p:blipFill>
+        <p:spPr bwMode="auto">
+          <a:xfrm>
+            <a:off x="4231640" y="3137853"/>
+            <a:ext cx="2914650" cy="2914650"/>
+          </a:xfrm>
+          <a:prstGeom prst="rect">
+            <a:avLst/>
+          </a:prstGeom>
+          <a:noFill/>
+          <a:extLst>
+            <a:ext uri="{909E8E84-426E-40DD-AFC4-6F175D3DCCD1}">
+              <a14:hiddenFill xmlns:a14="http://schemas.microsoft.com/office/drawing/2010/main">
+                <a:solidFill>
+                  <a:srgbClr val="FFFFFF"/>
+                </a:solidFill>
+              </a14:hiddenFill>
+            </a:ext>
+          </a:extLst>
+        </p:spPr>
+      </p:pic>
+      <p:pic>
+        <p:nvPicPr>
+          <p:cNvPr id="7174" name="Picture 6" descr="Park bench that does the additional job of being the candy bar product.  Great example of fusion to the brand.">
+            <a:extLst>
+              <a:ext uri="{FF2B5EF4-FFF2-40B4-BE49-F238E27FC236}">
+                <a16:creationId xmlns:a16="http://schemas.microsoft.com/office/drawing/2014/main" id="{FC293FD2-DF7B-4A48-919F-06CAA14427D6}"/>
+              </a:ext>
+            </a:extLst>
+          </p:cNvPr>
+          <p:cNvPicPr>
+            <a:picLocks noChangeAspect="1" noChangeArrowheads="1"/>
+          </p:cNvPicPr>
+          <p:nvPr/>
+        </p:nvPicPr>
+        <p:blipFill>
+          <a:blip r:embed="rId4">
+            <a:extLst>
+              <a:ext uri="{28A0092B-C50C-407E-A947-70E740481C1C}">
+                <a14:useLocalDpi xmlns:a14="http://schemas.microsoft.com/office/drawing/2010/main" val="0"/>
+              </a:ext>
+            </a:extLst>
+          </a:blip>
+          <a:srcRect/>
+          <a:stretch>
+            <a:fillRect/>
+          </a:stretch>
+        </p:blipFill>
+        <p:spPr bwMode="auto">
+          <a:xfrm>
+            <a:off x="7678547" y="2921318"/>
+            <a:ext cx="4219575" cy="3019425"/>
+          </a:xfrm>
+          <a:prstGeom prst="rect">
+            <a:avLst/>
+          </a:prstGeom>
+          <a:noFill/>
+          <a:extLst>
+            <a:ext uri="{909E8E84-426E-40DD-AFC4-6F175D3DCCD1}">
+              <a14:hiddenFill xmlns:a14="http://schemas.microsoft.com/office/drawing/2010/main">
+                <a:solidFill>
+                  <a:srgbClr val="FFFFFF"/>
+                </a:solidFill>
+              </a14:hiddenFill>
+            </a:ext>
+          </a:extLst>
+        </p:spPr>
+      </p:pic>
+    </p:spTree>
+    <p:extLst>
+      <p:ext uri="{BB962C8B-B14F-4D97-AF65-F5344CB8AC3E}">
+        <p14:creationId xmlns:p14="http://schemas.microsoft.com/office/powerpoint/2010/main" val="116961772"/>
+      </p:ext>
+    </p:extLst>
+  </p:cSld>
+  <p:clrMapOvr>
+    <a:masterClrMapping/>
+  </p:clrMapOvr>
+</p:sld>
+</file>
+
+<file path=ppt/slides/slide24.xml><?xml version="1.0" encoding="utf-8"?>
+<p:sld xmlns:a="http://schemas.openxmlformats.org/drawingml/2006/main" xmlns:r="http://schemas.openxmlformats.org/officeDocument/2006/relationships" xmlns:p="http://schemas.openxmlformats.org/presentationml/2006/main">
+  <p:cSld>
+    <p:spTree>
+      <p:nvGrpSpPr>
+        <p:cNvPr id="1" name=""/>
+        <p:cNvGrpSpPr/>
+        <p:nvPr/>
+      </p:nvGrpSpPr>
+      <p:grpSpPr>
+        <a:xfrm>
+          <a:off x="0" y="0"/>
+          <a:ext cx="0" cy="0"/>
+          <a:chOff x="0" y="0"/>
+          <a:chExt cx="0" cy="0"/>
+        </a:xfrm>
+      </p:grpSpPr>
+      <p:sp>
+        <p:nvSpPr>
+          <p:cNvPr id="2" name="Title 1">
+            <a:extLst>
+              <a:ext uri="{FF2B5EF4-FFF2-40B4-BE49-F238E27FC236}">
+                <a16:creationId xmlns:a16="http://schemas.microsoft.com/office/drawing/2014/main" id="{C5586F5E-8657-4305-B9AF-5BC47382C110}"/>
+              </a:ext>
+            </a:extLst>
+          </p:cNvPr>
+          <p:cNvSpPr>
+            <a:spLocks noGrp="1"/>
+          </p:cNvSpPr>
+          <p:nvPr>
+            <p:ph type="title"/>
+          </p:nvPr>
+        </p:nvSpPr>
+        <p:spPr>
+          <a:xfrm>
+            <a:off x="1024128" y="585216"/>
+            <a:ext cx="10202672" cy="1499616"/>
+          </a:xfrm>
+        </p:spPr>
+        <p:txBody>
+          <a:bodyPr>
+            <a:normAutofit/>
+          </a:bodyPr>
+          <a:lstStyle/>
+          <a:p>
+            <a:r>
+              <a:rPr lang="en-US" sz="4800" cap="none" dirty="0"/>
+              <a:t>Technique 5 : Attribute Dependency</a:t>
+            </a:r>
+            <a:endParaRPr lang="en-US" sz="4800" dirty="0"/>
+          </a:p>
+        </p:txBody>
+      </p:sp>
+      <p:sp>
+        <p:nvSpPr>
+          <p:cNvPr id="3" name="Content Placeholder 2">
+            <a:extLst>
+              <a:ext uri="{FF2B5EF4-FFF2-40B4-BE49-F238E27FC236}">
+                <a16:creationId xmlns:a16="http://schemas.microsoft.com/office/drawing/2014/main" id="{5BB0F1A9-0C52-43E3-AEB0-4D8C49BC2D47}"/>
+              </a:ext>
+            </a:extLst>
+          </p:cNvPr>
+          <p:cNvSpPr>
+            <a:spLocks noGrp="1"/>
+          </p:cNvSpPr>
+          <p:nvPr>
+            <p:ph idx="1"/>
+          </p:nvPr>
+        </p:nvSpPr>
+        <p:spPr/>
+        <p:txBody>
+          <a:bodyPr/>
+          <a:lstStyle/>
+          <a:p>
+            <a:pPr marL="233363" indent="-233363">
+              <a:buFont typeface="Wingdings" panose="05000000000000000000" pitchFamily="2" charset="2"/>
+              <a:buChar char="§"/>
+            </a:pPr>
+            <a:r>
+              <a:rPr lang="en-GB" dirty="0"/>
+              <a:t>one thing changes as another thing changes</a:t>
+            </a:r>
+          </a:p>
+          <a:p>
+            <a:pPr marL="233363" indent="-233363">
+              <a:buFont typeface="Wingdings" panose="05000000000000000000" pitchFamily="2" charset="2"/>
+              <a:buChar char="§"/>
+            </a:pPr>
+            <a:r>
+              <a:rPr lang="en-GB" dirty="0"/>
+              <a:t>make 2 lists</a:t>
+            </a:r>
+          </a:p>
+          <a:p>
+            <a:pPr>
+              <a:buFont typeface="Wingdings" panose="05000000000000000000" pitchFamily="2" charset="2"/>
+              <a:buChar char="à"/>
+            </a:pPr>
+            <a:r>
+              <a:rPr lang="en-GB" dirty="0"/>
+              <a:t>  list attributes of the surrounding environment and people related as 1, 2, 3</a:t>
+            </a:r>
+          </a:p>
+          <a:p>
+            <a:pPr>
+              <a:buFont typeface="Wingdings" panose="05000000000000000000" pitchFamily="2" charset="2"/>
+              <a:buChar char="à"/>
+            </a:pPr>
+            <a:r>
+              <a:rPr lang="en-GB" dirty="0"/>
+              <a:t>  list attributes of the product or service as A, B, C</a:t>
+            </a:r>
+          </a:p>
+          <a:p>
+            <a:pPr>
+              <a:buFont typeface="Wingdings" panose="05000000000000000000" pitchFamily="2" charset="2"/>
+              <a:buChar char="§"/>
+            </a:pPr>
+            <a:r>
+              <a:rPr lang="en-GB" dirty="0"/>
+              <a:t>  randomly select one attribute from each list and create a simple phrase</a:t>
+            </a:r>
+          </a:p>
+          <a:p>
+            <a:pPr>
+              <a:buFont typeface="Wingdings" panose="05000000000000000000" pitchFamily="2" charset="2"/>
+              <a:buChar char="à"/>
+            </a:pPr>
+            <a:r>
+              <a:rPr lang="en-GB" dirty="0"/>
+              <a:t>  As attribute ______ changes, so does attribute _______. </a:t>
+            </a:r>
+            <a:endParaRPr lang="en-US" dirty="0"/>
+          </a:p>
+        </p:txBody>
+      </p:sp>
+    </p:spTree>
+    <p:extLst>
+      <p:ext uri="{BB962C8B-B14F-4D97-AF65-F5344CB8AC3E}">
+        <p14:creationId xmlns:p14="http://schemas.microsoft.com/office/powerpoint/2010/main" val="2684182677"/>
+      </p:ext>
+    </p:extLst>
+  </p:cSld>
+  <p:clrMapOvr>
+    <a:masterClrMapping/>
+  </p:clrMapOvr>
+</p:sld>
+</file>
+
+<file path=ppt/slides/slide25.xml><?xml version="1.0" encoding="utf-8"?>
+<p:sld xmlns:a="http://schemas.openxmlformats.org/drawingml/2006/main" xmlns:r="http://schemas.openxmlformats.org/officeDocument/2006/relationships" xmlns:p="http://schemas.openxmlformats.org/presentationml/2006/main">
+  <p:cSld>
+    <p:spTree>
+      <p:nvGrpSpPr>
+        <p:cNvPr id="1" name=""/>
+        <p:cNvGrpSpPr/>
+        <p:nvPr/>
+      </p:nvGrpSpPr>
+      <p:grpSpPr>
+        <a:xfrm>
+          <a:off x="0" y="0"/>
+          <a:ext cx="0" cy="0"/>
+          <a:chOff x="0" y="0"/>
+          <a:chExt cx="0" cy="0"/>
+        </a:xfrm>
+      </p:grpSpPr>
+      <p:sp>
+        <p:nvSpPr>
+          <p:cNvPr id="2" name="Title 1">
+            <a:extLst>
+              <a:ext uri="{FF2B5EF4-FFF2-40B4-BE49-F238E27FC236}">
+                <a16:creationId xmlns:a16="http://schemas.microsoft.com/office/drawing/2014/main" id="{C5586F5E-8657-4305-B9AF-5BC47382C110}"/>
+              </a:ext>
+            </a:extLst>
+          </p:cNvPr>
+          <p:cNvSpPr>
+            <a:spLocks noGrp="1"/>
+          </p:cNvSpPr>
+          <p:nvPr>
+            <p:ph type="title"/>
+          </p:nvPr>
+        </p:nvSpPr>
+        <p:spPr>
+          <a:xfrm>
+            <a:off x="1024128" y="585216"/>
+            <a:ext cx="10202672" cy="1499616"/>
+          </a:xfrm>
+        </p:spPr>
+        <p:txBody>
+          <a:bodyPr>
+            <a:normAutofit/>
+          </a:bodyPr>
+          <a:lstStyle/>
+          <a:p>
+            <a:r>
+              <a:rPr lang="en-US" sz="4800" cap="none" dirty="0"/>
+              <a:t>Technique 5 : Attribute Dependency</a:t>
+            </a:r>
+            <a:endParaRPr lang="en-US" sz="4800" dirty="0"/>
+          </a:p>
+        </p:txBody>
+      </p:sp>
+      <p:sp>
+        <p:nvSpPr>
+          <p:cNvPr id="3" name="Content Placeholder 2">
+            <a:extLst>
+              <a:ext uri="{FF2B5EF4-FFF2-40B4-BE49-F238E27FC236}">
+                <a16:creationId xmlns:a16="http://schemas.microsoft.com/office/drawing/2014/main" id="{5BB0F1A9-0C52-43E3-AEB0-4D8C49BC2D47}"/>
+              </a:ext>
+            </a:extLst>
+          </p:cNvPr>
+          <p:cNvSpPr>
+            <a:spLocks noGrp="1"/>
+          </p:cNvSpPr>
+          <p:nvPr>
+            <p:ph idx="1"/>
+          </p:nvPr>
+        </p:nvSpPr>
+        <p:spPr/>
+        <p:txBody>
+          <a:bodyPr/>
+          <a:lstStyle/>
+          <a:p>
+            <a:pPr marL="233363" indent="-233363">
+              <a:buFont typeface="Wingdings" panose="05000000000000000000" pitchFamily="2" charset="2"/>
+              <a:buChar char="§"/>
+            </a:pPr>
+            <a:r>
+              <a:rPr lang="en-GB" dirty="0"/>
+              <a:t>one thing changes as another thing changes</a:t>
+            </a:r>
+          </a:p>
+        </p:txBody>
+      </p:sp>
+      <p:pic>
+        <p:nvPicPr>
+          <p:cNvPr id="8194" name="Picture 2" descr=" ">
+            <a:extLst>
+              <a:ext uri="{FF2B5EF4-FFF2-40B4-BE49-F238E27FC236}">
+                <a16:creationId xmlns:a16="http://schemas.microsoft.com/office/drawing/2014/main" id="{9F616841-D489-47CA-8054-3393A5C5FB54}"/>
+              </a:ext>
+            </a:extLst>
+          </p:cNvPr>
+          <p:cNvPicPr>
+            <a:picLocks noChangeAspect="1" noChangeArrowheads="1"/>
+          </p:cNvPicPr>
+          <p:nvPr/>
+        </p:nvPicPr>
+        <p:blipFill>
+          <a:blip r:embed="rId2">
+            <a:extLst>
+              <a:ext uri="{28A0092B-C50C-407E-A947-70E740481C1C}">
+                <a14:useLocalDpi xmlns:a14="http://schemas.microsoft.com/office/drawing/2010/main" val="0"/>
+              </a:ext>
+            </a:extLst>
+          </a:blip>
+          <a:srcRect/>
+          <a:stretch>
+            <a:fillRect/>
+          </a:stretch>
+        </p:blipFill>
+        <p:spPr bwMode="auto">
+          <a:xfrm>
+            <a:off x="1221773" y="3042385"/>
+            <a:ext cx="2901950" cy="2916606"/>
+          </a:xfrm>
+          <a:prstGeom prst="rect">
+            <a:avLst/>
+          </a:prstGeom>
+          <a:noFill/>
+          <a:extLst>
+            <a:ext uri="{909E8E84-426E-40DD-AFC4-6F175D3DCCD1}">
+              <a14:hiddenFill xmlns:a14="http://schemas.microsoft.com/office/drawing/2010/main">
+                <a:solidFill>
+                  <a:srgbClr val="FFFFFF"/>
+                </a:solidFill>
+              </a14:hiddenFill>
+            </a:ext>
+          </a:extLst>
+        </p:spPr>
+      </p:pic>
+      <p:pic>
+        <p:nvPicPr>
+          <p:cNvPr id="8196" name="Picture 4" descr="Drachen Farbe ändern Becher Geschenk für die Drachen">
+            <a:extLst>
+              <a:ext uri="{FF2B5EF4-FFF2-40B4-BE49-F238E27FC236}">
+                <a16:creationId xmlns:a16="http://schemas.microsoft.com/office/drawing/2014/main" id="{7AFD3F26-1F96-4EC3-8D96-735D8268F772}"/>
+              </a:ext>
+            </a:extLst>
+          </p:cNvPr>
+          <p:cNvPicPr>
+            <a:picLocks noChangeAspect="1" noChangeArrowheads="1"/>
+          </p:cNvPicPr>
+          <p:nvPr/>
+        </p:nvPicPr>
+        <p:blipFill>
+          <a:blip r:embed="rId3">
+            <a:extLst>
+              <a:ext uri="{28A0092B-C50C-407E-A947-70E740481C1C}">
+                <a14:useLocalDpi xmlns:a14="http://schemas.microsoft.com/office/drawing/2010/main" val="0"/>
+              </a:ext>
+            </a:extLst>
+          </a:blip>
+          <a:srcRect/>
+          <a:stretch>
+            <a:fillRect/>
+          </a:stretch>
+        </p:blipFill>
+        <p:spPr bwMode="auto">
+          <a:xfrm>
+            <a:off x="4962685" y="2959176"/>
+            <a:ext cx="3072130" cy="3083024"/>
+          </a:xfrm>
+          <a:prstGeom prst="rect">
+            <a:avLst/>
+          </a:prstGeom>
+          <a:noFill/>
+          <a:extLst>
+            <a:ext uri="{909E8E84-426E-40DD-AFC4-6F175D3DCCD1}">
+              <a14:hiddenFill xmlns:a14="http://schemas.microsoft.com/office/drawing/2010/main">
+                <a:solidFill>
+                  <a:srgbClr val="FFFFFF"/>
+                </a:solidFill>
+              </a14:hiddenFill>
+            </a:ext>
+          </a:extLst>
+        </p:spPr>
+      </p:pic>
+      <p:pic>
+        <p:nvPicPr>
+          <p:cNvPr id="8198" name="Picture 6" descr="Attribute dependency Kitchen Safe Uses Time Lock To Restrict Access To Tempting Foods   to resist the temptation of that &quot;one last cookie&quot; or &quot;just one more tiny piece of chocolate,&quot;.">
+            <a:extLst>
+              <a:ext uri="{FF2B5EF4-FFF2-40B4-BE49-F238E27FC236}">
+                <a16:creationId xmlns:a16="http://schemas.microsoft.com/office/drawing/2014/main" id="{1244557C-D30D-4823-B6E5-3833181BC8CF}"/>
+              </a:ext>
+            </a:extLst>
+          </p:cNvPr>
+          <p:cNvPicPr>
+            <a:picLocks noChangeAspect="1" noChangeArrowheads="1"/>
+          </p:cNvPicPr>
+          <p:nvPr/>
+        </p:nvPicPr>
+        <p:blipFill>
+          <a:blip r:embed="rId4">
+            <a:extLst>
+              <a:ext uri="{28A0092B-C50C-407E-A947-70E740481C1C}">
+                <a14:useLocalDpi xmlns:a14="http://schemas.microsoft.com/office/drawing/2010/main" val="0"/>
+              </a:ext>
+            </a:extLst>
+          </a:blip>
+          <a:srcRect/>
+          <a:stretch>
+            <a:fillRect/>
+          </a:stretch>
+        </p:blipFill>
+        <p:spPr bwMode="auto">
+          <a:xfrm>
+            <a:off x="8110541" y="3115246"/>
+            <a:ext cx="3472620" cy="2604465"/>
+          </a:xfrm>
+          <a:prstGeom prst="rect">
+            <a:avLst/>
+          </a:prstGeom>
+          <a:noFill/>
+          <a:extLst>
+            <a:ext uri="{909E8E84-426E-40DD-AFC4-6F175D3DCCD1}">
+              <a14:hiddenFill xmlns:a14="http://schemas.microsoft.com/office/drawing/2010/main">
+                <a:solidFill>
+                  <a:srgbClr val="FFFFFF"/>
+                </a:solidFill>
+              </a14:hiddenFill>
+            </a:ext>
+          </a:extLst>
+        </p:spPr>
+      </p:pic>
+    </p:spTree>
+    <p:extLst>
+      <p:ext uri="{BB962C8B-B14F-4D97-AF65-F5344CB8AC3E}">
+        <p14:creationId xmlns:p14="http://schemas.microsoft.com/office/powerpoint/2010/main" val="3841444302"/>
+      </p:ext>
+    </p:extLst>
+  </p:cSld>
+  <p:clrMapOvr>
+    <a:masterClrMapping/>
+  </p:clrMapOvr>
+</p:sld>
+</file>
+
+<file path=ppt/slides/slide26.xml><?xml version="1.0" encoding="utf-8"?>
+<p:sld xmlns:a="http://schemas.openxmlformats.org/drawingml/2006/main" xmlns:r="http://schemas.openxmlformats.org/officeDocument/2006/relationships" xmlns:p="http://schemas.openxmlformats.org/presentationml/2006/main">
+  <p:cSld>
+    <p:bg>
+      <p:bgPr>
+        <a:solidFill>
+          <a:schemeClr val="bg1"/>
+        </a:solidFill>
+        <a:effectLst/>
+      </p:bgPr>
+    </p:bg>
+    <p:spTree>
+      <p:nvGrpSpPr>
+        <p:cNvPr id="1" name=""/>
+        <p:cNvGrpSpPr/>
+        <p:nvPr/>
+      </p:nvGrpSpPr>
+      <p:grpSpPr>
+        <a:xfrm>
+          <a:off x="0" y="0"/>
+          <a:ext cx="0" cy="0"/>
+          <a:chOff x="0" y="0"/>
+          <a:chExt cx="0" cy="0"/>
+        </a:xfrm>
+      </p:grpSpPr>
+      <p:sp>
+        <p:nvSpPr>
+          <p:cNvPr id="2" name="Title 1">
+            <a:extLst>
+              <a:ext uri="{FF2B5EF4-FFF2-40B4-BE49-F238E27FC236}">
+                <a16:creationId xmlns:a16="http://schemas.microsoft.com/office/drawing/2014/main" id="{C5586F5E-8657-4305-B9AF-5BC47382C110}"/>
+              </a:ext>
+            </a:extLst>
+          </p:cNvPr>
+          <p:cNvSpPr>
+            <a:spLocks noGrp="1"/>
+          </p:cNvSpPr>
+          <p:nvPr>
+            <p:ph type="title"/>
+          </p:nvPr>
+        </p:nvSpPr>
+        <p:spPr>
+          <a:xfrm>
+            <a:off x="1024128" y="585216"/>
+            <a:ext cx="9720072" cy="1499616"/>
+          </a:xfrm>
+        </p:spPr>
+        <p:txBody>
+          <a:bodyPr>
+            <a:normAutofit/>
+          </a:bodyPr>
+          <a:lstStyle/>
+          <a:p>
+            <a:r>
+              <a:rPr lang="en-US" cap="none" dirty="0"/>
+              <a:t>Group Creativity</a:t>
+            </a:r>
+            <a:endParaRPr lang="en-US" dirty="0"/>
+          </a:p>
+        </p:txBody>
+      </p:sp>
+      <p:graphicFrame>
+        <p:nvGraphicFramePr>
+          <p:cNvPr id="5" name="Content Placeholder 2">
+            <a:extLst>
+              <a:ext uri="{FF2B5EF4-FFF2-40B4-BE49-F238E27FC236}">
+                <a16:creationId xmlns:a16="http://schemas.microsoft.com/office/drawing/2014/main" id="{7166C6B6-58B2-4604-841A-330834EE90F5}"/>
+              </a:ext>
+            </a:extLst>
+          </p:cNvPr>
+          <p:cNvGraphicFramePr>
+            <a:graphicFrameLocks noGrp="1"/>
+          </p:cNvGraphicFramePr>
+          <p:nvPr>
+            <p:ph idx="1"/>
+            <p:extLst>
+              <p:ext uri="{D42A27DB-BD31-4B8C-83A1-F6EECF244321}">
+                <p14:modId xmlns:p14="http://schemas.microsoft.com/office/powerpoint/2010/main" val="2635289245"/>
+              </p:ext>
+            </p:extLst>
+          </p:nvPr>
+        </p:nvGraphicFramePr>
+        <p:xfrm>
+          <a:off x="1023938" y="2286000"/>
+          <a:ext cx="9720262" cy="4022725"/>
+        </p:xfrm>
+        <a:graphic>
+          <a:graphicData uri="http://schemas.openxmlformats.org/drawingml/2006/diagram">
+            <dgm:relIds xmlns:dgm="http://schemas.openxmlformats.org/drawingml/2006/diagram" xmlns:r="http://schemas.openxmlformats.org/officeDocument/2006/relationships" r:dm="rId2" r:lo="rId3" r:qs="rId4" r:cs="rId5"/>
+          </a:graphicData>
+        </a:graphic>
+      </p:graphicFrame>
+    </p:spTree>
+    <p:extLst>
+      <p:ext uri="{BB962C8B-B14F-4D97-AF65-F5344CB8AC3E}">
+        <p14:creationId xmlns:p14="http://schemas.microsoft.com/office/powerpoint/2010/main" val="1338049838"/>
+      </p:ext>
+    </p:extLst>
+  </p:cSld>
+  <p:clrMapOvr>
+    <a:masterClrMapping/>
+  </p:clrMapOvr>
+</p:sld>
+</file>
+
+<file path=ppt/slides/slide27.xml><?xml version="1.0" encoding="utf-8"?>
+<p:sld xmlns:a="http://schemas.openxmlformats.org/drawingml/2006/main" xmlns:r="http://schemas.openxmlformats.org/officeDocument/2006/relationships" xmlns:p="http://schemas.openxmlformats.org/presentationml/2006/main">
+  <p:cSld>
+    <p:spTree>
+      <p:nvGrpSpPr>
+        <p:cNvPr id="1" name=""/>
+        <p:cNvGrpSpPr/>
+        <p:nvPr/>
+      </p:nvGrpSpPr>
+      <p:grpSpPr>
+        <a:xfrm>
+          <a:off x="0" y="0"/>
+          <a:ext cx="0" cy="0"/>
+          <a:chOff x="0" y="0"/>
+          <a:chExt cx="0" cy="0"/>
+        </a:xfrm>
+      </p:grpSpPr>
+      <p:sp>
+        <p:nvSpPr>
+          <p:cNvPr id="2" name="Title 1">
+            <a:extLst>
+              <a:ext uri="{FF2B5EF4-FFF2-40B4-BE49-F238E27FC236}">
+                <a16:creationId xmlns:a16="http://schemas.microsoft.com/office/drawing/2014/main" id="{C5586F5E-8657-4305-B9AF-5BC47382C110}"/>
+              </a:ext>
+            </a:extLst>
+          </p:cNvPr>
+          <p:cNvSpPr>
+            <a:spLocks noGrp="1"/>
+          </p:cNvSpPr>
+          <p:nvPr>
+            <p:ph type="title"/>
+          </p:nvPr>
+        </p:nvSpPr>
+        <p:spPr/>
+        <p:txBody>
+          <a:bodyPr/>
+          <a:lstStyle/>
+          <a:p>
+            <a:r>
+              <a:rPr lang="en-US" cap="none" dirty="0"/>
+              <a:t>Creativity dream team</a:t>
+            </a:r>
+            <a:endParaRPr lang="en-US" dirty="0"/>
+          </a:p>
+        </p:txBody>
+      </p:sp>
+      <p:sp>
+        <p:nvSpPr>
+          <p:cNvPr id="3" name="Content Placeholder 2">
+            <a:extLst>
+              <a:ext uri="{FF2B5EF4-FFF2-40B4-BE49-F238E27FC236}">
+                <a16:creationId xmlns:a16="http://schemas.microsoft.com/office/drawing/2014/main" id="{5BB0F1A9-0C52-43E3-AEB0-4D8C49BC2D47}"/>
+              </a:ext>
+            </a:extLst>
+          </p:cNvPr>
+          <p:cNvSpPr>
+            <a:spLocks noGrp="1"/>
+          </p:cNvSpPr>
+          <p:nvPr>
+            <p:ph idx="1"/>
+          </p:nvPr>
+        </p:nvSpPr>
+        <p:spPr/>
+        <p:txBody>
+          <a:bodyPr/>
+          <a:lstStyle/>
+          <a:p>
+            <a:pPr marL="233363" indent="-233363">
+              <a:buFont typeface="Wingdings" panose="05000000000000000000" pitchFamily="2" charset="2"/>
+              <a:buChar char="§"/>
+            </a:pPr>
+            <a:r>
+              <a:rPr lang="en-US" dirty="0"/>
+              <a:t>Diversity </a:t>
+            </a:r>
+            <a:r>
+              <a:rPr lang="en-US" dirty="0">
+                <a:sym typeface="Wingdings" panose="05000000000000000000" pitchFamily="2" charset="2"/>
+              </a:rPr>
+              <a:t> functional, gender, cultural</a:t>
+            </a:r>
+            <a:endParaRPr lang="en-US" dirty="0"/>
+          </a:p>
+        </p:txBody>
+      </p:sp>
+    </p:spTree>
+    <p:extLst>
+      <p:ext uri="{BB962C8B-B14F-4D97-AF65-F5344CB8AC3E}">
+        <p14:creationId xmlns:p14="http://schemas.microsoft.com/office/powerpoint/2010/main" val="3014066406"/>
+      </p:ext>
+    </p:extLst>
+  </p:cSld>
+  <p:clrMapOvr>
+    <a:masterClrMapping/>
+  </p:clrMapOvr>
+</p:sld>
+</file>
+
+<file path=ppt/slides/slide28.xml><?xml version="1.0" encoding="utf-8"?>
+<p:sld xmlns:a="http://schemas.openxmlformats.org/drawingml/2006/main" xmlns:r="http://schemas.openxmlformats.org/officeDocument/2006/relationships" xmlns:p="http://schemas.openxmlformats.org/presentationml/2006/main">
+  <p:cSld>
+    <p:spTree>
+      <p:nvGrpSpPr>
+        <p:cNvPr id="1" name=""/>
+        <p:cNvGrpSpPr/>
+        <p:nvPr/>
+      </p:nvGrpSpPr>
+      <p:grpSpPr>
+        <a:xfrm>
+          <a:off x="0" y="0"/>
+          <a:ext cx="0" cy="0"/>
+          <a:chOff x="0" y="0"/>
+          <a:chExt cx="0" cy="0"/>
+        </a:xfrm>
+      </p:grpSpPr>
+      <p:sp>
+        <p:nvSpPr>
+          <p:cNvPr id="2" name="Title 1">
+            <a:extLst>
+              <a:ext uri="{FF2B5EF4-FFF2-40B4-BE49-F238E27FC236}">
+                <a16:creationId xmlns:a16="http://schemas.microsoft.com/office/drawing/2014/main" id="{C5586F5E-8657-4305-B9AF-5BC47382C110}"/>
+              </a:ext>
+            </a:extLst>
+          </p:cNvPr>
+          <p:cNvSpPr>
+            <a:spLocks noGrp="1"/>
+          </p:cNvSpPr>
+          <p:nvPr>
+            <p:ph type="title"/>
+          </p:nvPr>
+        </p:nvSpPr>
+        <p:spPr/>
+        <p:txBody>
+          <a:bodyPr/>
+          <a:lstStyle/>
+          <a:p>
+            <a:r>
+              <a:rPr lang="en-US" cap="none" dirty="0"/>
+              <a:t>Facilitate group</a:t>
+            </a:r>
+            <a:endParaRPr lang="en-US" dirty="0"/>
+          </a:p>
+        </p:txBody>
+      </p:sp>
+      <p:sp>
+        <p:nvSpPr>
+          <p:cNvPr id="3" name="Content Placeholder 2">
+            <a:extLst>
+              <a:ext uri="{FF2B5EF4-FFF2-40B4-BE49-F238E27FC236}">
+                <a16:creationId xmlns:a16="http://schemas.microsoft.com/office/drawing/2014/main" id="{5BB0F1A9-0C52-43E3-AEB0-4D8C49BC2D47}"/>
+              </a:ext>
+            </a:extLst>
+          </p:cNvPr>
+          <p:cNvSpPr>
+            <a:spLocks noGrp="1"/>
+          </p:cNvSpPr>
+          <p:nvPr>
+            <p:ph idx="1"/>
+          </p:nvPr>
+        </p:nvSpPr>
+        <p:spPr/>
+        <p:txBody>
+          <a:bodyPr/>
+          <a:lstStyle/>
+          <a:p>
+            <a:pPr>
+              <a:buFont typeface="Wingdings" panose="05000000000000000000" pitchFamily="2" charset="2"/>
+              <a:buChar char="§"/>
+            </a:pPr>
+            <a:r>
+              <a:rPr lang="en-US" dirty="0"/>
+              <a:t>  decide on a workshop location</a:t>
+            </a:r>
+          </a:p>
+          <a:p>
+            <a:pPr>
+              <a:buFont typeface="Wingdings" panose="05000000000000000000" pitchFamily="2" charset="2"/>
+              <a:buChar char="§"/>
+            </a:pPr>
+            <a:r>
+              <a:rPr lang="en-US" dirty="0"/>
+              <a:t>  identify constraints</a:t>
+            </a:r>
+          </a:p>
+          <a:p>
+            <a:pPr>
+              <a:buFont typeface="Wingdings" panose="05000000000000000000" pitchFamily="2" charset="2"/>
+              <a:buChar char="§"/>
+            </a:pPr>
+            <a:r>
+              <a:rPr lang="en-US" dirty="0"/>
+              <a:t>  decide which of 5 techniques to apply</a:t>
+            </a:r>
+          </a:p>
+          <a:p>
+            <a:pPr>
+              <a:buFont typeface="Wingdings" panose="05000000000000000000" pitchFamily="2" charset="2"/>
+              <a:buChar char="§"/>
+            </a:pPr>
+            <a:r>
+              <a:rPr lang="en-US" dirty="0"/>
+              <a:t>  create a list of the components</a:t>
+            </a:r>
+          </a:p>
+          <a:p>
+            <a:pPr>
+              <a:buFont typeface="Wingdings" panose="05000000000000000000" pitchFamily="2" charset="2"/>
+              <a:buChar char="§"/>
+            </a:pPr>
+            <a:r>
+              <a:rPr lang="en-US" dirty="0"/>
+              <a:t>  work in smaller groups with different component</a:t>
+            </a:r>
+          </a:p>
+          <a:p>
+            <a:pPr>
+              <a:buFont typeface="Wingdings" panose="05000000000000000000" pitchFamily="2" charset="2"/>
+              <a:buChar char="§"/>
+            </a:pPr>
+            <a:r>
+              <a:rPr lang="en-US" dirty="0"/>
+              <a:t>  prevent bias with ideas</a:t>
+            </a:r>
+          </a:p>
+        </p:txBody>
+      </p:sp>
+    </p:spTree>
+    <p:extLst>
+      <p:ext uri="{BB962C8B-B14F-4D97-AF65-F5344CB8AC3E}">
+        <p14:creationId xmlns:p14="http://schemas.microsoft.com/office/powerpoint/2010/main" val="2438323300"/>
+      </p:ext>
+    </p:extLst>
+  </p:cSld>
+  <p:clrMapOvr>
+    <a:masterClrMapping/>
+  </p:clrMapOvr>
+</p:sld>
+</file>
+
+<file path=ppt/slides/slide29.xml><?xml version="1.0" encoding="utf-8"?>
+<p:sld xmlns:a="http://schemas.openxmlformats.org/drawingml/2006/main" xmlns:r="http://schemas.openxmlformats.org/officeDocument/2006/relationships" xmlns:p="http://schemas.openxmlformats.org/presentationml/2006/main">
+  <p:cSld>
+    <p:spTree>
+      <p:nvGrpSpPr>
+        <p:cNvPr id="1" name=""/>
+        <p:cNvGrpSpPr/>
+        <p:nvPr/>
+      </p:nvGrpSpPr>
+      <p:grpSpPr>
+        <a:xfrm>
+          <a:off x="0" y="0"/>
+          <a:ext cx="0" cy="0"/>
+          <a:chOff x="0" y="0"/>
+          <a:chExt cx="0" cy="0"/>
+        </a:xfrm>
+      </p:grpSpPr>
+      <p:sp>
+        <p:nvSpPr>
+          <p:cNvPr id="2" name="Title 1">
+            <a:extLst>
+              <a:ext uri="{FF2B5EF4-FFF2-40B4-BE49-F238E27FC236}">
+                <a16:creationId xmlns:a16="http://schemas.microsoft.com/office/drawing/2014/main" id="{C5586F5E-8657-4305-B9AF-5BC47382C110}"/>
+              </a:ext>
+            </a:extLst>
+          </p:cNvPr>
+          <p:cNvSpPr>
+            <a:spLocks noGrp="1"/>
+          </p:cNvSpPr>
+          <p:nvPr>
+            <p:ph type="title"/>
+          </p:nvPr>
+        </p:nvSpPr>
+        <p:spPr/>
+        <p:txBody>
+          <a:bodyPr/>
+          <a:lstStyle/>
+          <a:p>
+            <a:r>
+              <a:rPr lang="en-US" cap="none" dirty="0"/>
+              <a:t>Select the best ideas</a:t>
+            </a:r>
+            <a:endParaRPr lang="en-US" dirty="0"/>
+          </a:p>
+        </p:txBody>
+      </p:sp>
+      <p:sp>
+        <p:nvSpPr>
+          <p:cNvPr id="3" name="Content Placeholder 2">
+            <a:extLst>
+              <a:ext uri="{FF2B5EF4-FFF2-40B4-BE49-F238E27FC236}">
+                <a16:creationId xmlns:a16="http://schemas.microsoft.com/office/drawing/2014/main" id="{5BB0F1A9-0C52-43E3-AEB0-4D8C49BC2D47}"/>
+              </a:ext>
+            </a:extLst>
+          </p:cNvPr>
+          <p:cNvSpPr>
+            <a:spLocks noGrp="1"/>
+          </p:cNvSpPr>
+          <p:nvPr>
+            <p:ph idx="1"/>
+          </p:nvPr>
+        </p:nvSpPr>
+        <p:spPr/>
+        <p:txBody>
+          <a:bodyPr/>
+          <a:lstStyle/>
+          <a:p>
+            <a:pPr marL="233363" indent="-233363">
+              <a:buFont typeface="Wingdings" panose="05000000000000000000" pitchFamily="2" charset="2"/>
+              <a:buChar char="§"/>
+            </a:pPr>
+            <a:r>
+              <a:rPr lang="en-US" dirty="0"/>
+              <a:t>decide what qualifies as a great idea</a:t>
+            </a:r>
+          </a:p>
+          <a:p>
+            <a:pPr marL="233363" indent="-233363">
+              <a:buFont typeface="Wingdings" panose="05000000000000000000" pitchFamily="2" charset="2"/>
+              <a:buChar char="§"/>
+            </a:pPr>
+            <a:r>
+              <a:rPr lang="en-US" dirty="0"/>
+              <a:t>put all your ideas in a standard format</a:t>
+            </a:r>
+          </a:p>
+          <a:p>
+            <a:pPr marL="233363" indent="-233363">
+              <a:buFont typeface="Wingdings" panose="05000000000000000000" pitchFamily="2" charset="2"/>
+              <a:buChar char="§"/>
+            </a:pPr>
+            <a:r>
+              <a:rPr lang="en-US" dirty="0"/>
+              <a:t>individuals review lists of ideas</a:t>
+            </a:r>
+          </a:p>
+          <a:p>
+            <a:pPr marL="233363" indent="-233363">
+              <a:buFont typeface="Wingdings" panose="05000000000000000000" pitchFamily="2" charset="2"/>
+              <a:buChar char="§"/>
+            </a:pPr>
+            <a:r>
+              <a:rPr lang="en-US" dirty="0"/>
+              <a:t>votes are tallied</a:t>
+            </a:r>
+          </a:p>
+        </p:txBody>
+      </p:sp>
+    </p:spTree>
+    <p:extLst>
+      <p:ext uri="{BB962C8B-B14F-4D97-AF65-F5344CB8AC3E}">
+        <p14:creationId xmlns:p14="http://schemas.microsoft.com/office/powerpoint/2010/main" val="3482896242"/>
       </p:ext>
     </p:extLst>
   </p:cSld>
@@ -14252,6 +15941,128 @@
 </p:sld>
 </file>
 
+<file path=ppt/slides/slide30.xml><?xml version="1.0" encoding="utf-8"?>
+<p:sld xmlns:a="http://schemas.openxmlformats.org/drawingml/2006/main" xmlns:r="http://schemas.openxmlformats.org/officeDocument/2006/relationships" xmlns:p="http://schemas.openxmlformats.org/presentationml/2006/main">
+  <p:cSld>
+    <p:spTree>
+      <p:nvGrpSpPr>
+        <p:cNvPr id="1" name=""/>
+        <p:cNvGrpSpPr/>
+        <p:nvPr/>
+      </p:nvGrpSpPr>
+      <p:grpSpPr>
+        <a:xfrm>
+          <a:off x="0" y="0"/>
+          <a:ext cx="0" cy="0"/>
+          <a:chOff x="0" y="0"/>
+          <a:chExt cx="0" cy="0"/>
+        </a:xfrm>
+      </p:grpSpPr>
+      <p:sp>
+        <p:nvSpPr>
+          <p:cNvPr id="2" name="Title 1">
+            <a:extLst>
+              <a:ext uri="{FF2B5EF4-FFF2-40B4-BE49-F238E27FC236}">
+                <a16:creationId xmlns:a16="http://schemas.microsoft.com/office/drawing/2014/main" id="{C5586F5E-8657-4305-B9AF-5BC47382C110}"/>
+              </a:ext>
+            </a:extLst>
+          </p:cNvPr>
+          <p:cNvSpPr>
+            <a:spLocks noGrp="1"/>
+          </p:cNvSpPr>
+          <p:nvPr>
+            <p:ph type="title"/>
+          </p:nvPr>
+        </p:nvSpPr>
+        <p:spPr/>
+        <p:txBody>
+          <a:bodyPr/>
+          <a:lstStyle/>
+          <a:p>
+            <a:r>
+              <a:rPr lang="en-US" cap="none" dirty="0"/>
+              <a:t>Conclusion</a:t>
+            </a:r>
+            <a:endParaRPr lang="en-US" dirty="0"/>
+          </a:p>
+        </p:txBody>
+      </p:sp>
+      <p:sp>
+        <p:nvSpPr>
+          <p:cNvPr id="3" name="Content Placeholder 2">
+            <a:extLst>
+              <a:ext uri="{FF2B5EF4-FFF2-40B4-BE49-F238E27FC236}">
+                <a16:creationId xmlns:a16="http://schemas.microsoft.com/office/drawing/2014/main" id="{5BB0F1A9-0C52-43E3-AEB0-4D8C49BC2D47}"/>
+              </a:ext>
+            </a:extLst>
+          </p:cNvPr>
+          <p:cNvSpPr>
+            <a:spLocks noGrp="1"/>
+          </p:cNvSpPr>
+          <p:nvPr>
+            <p:ph idx="1"/>
+          </p:nvPr>
+        </p:nvSpPr>
+        <p:spPr/>
+        <p:txBody>
+          <a:bodyPr/>
+          <a:lstStyle/>
+          <a:p>
+            <a:pPr marL="233363" indent="-233363">
+              <a:buFont typeface="Wingdings" panose="05000000000000000000" pitchFamily="2" charset="2"/>
+              <a:buChar char="§"/>
+            </a:pPr>
+            <a:r>
+              <a:rPr lang="en-US" dirty="0"/>
+              <a:t>SIT with Function follow form principle &amp; 5 thinking techniques</a:t>
+            </a:r>
+          </a:p>
+          <a:p>
+            <a:pPr marL="233363" indent="-233363">
+              <a:buFont typeface="Wingdings" panose="05000000000000000000" pitchFamily="2" charset="2"/>
+              <a:buChar char="§"/>
+            </a:pPr>
+            <a:r>
+              <a:rPr lang="en-US" dirty="0"/>
+              <a:t>Drew Boyd’s Pinterest for example (</a:t>
+            </a:r>
+            <a:r>
+              <a:rPr lang="en-US" dirty="0">
+                <a:hlinkClick r:id="rId2"/>
+              </a:rPr>
+              <a:t>www.pinterest.com/drewboyd</a:t>
+            </a:r>
+            <a:r>
+              <a:rPr lang="en-US" dirty="0"/>
+              <a:t>)</a:t>
+            </a:r>
+          </a:p>
+          <a:p>
+            <a:pPr marL="233363" indent="-233363">
+              <a:buFont typeface="Wingdings" panose="05000000000000000000" pitchFamily="2" charset="2"/>
+              <a:buChar char="§"/>
+            </a:pPr>
+            <a:r>
+              <a:rPr lang="en-GB" dirty="0"/>
+              <a:t>go out there and do it !</a:t>
+            </a:r>
+            <a:endParaRPr lang="en-US" dirty="0"/>
+          </a:p>
+        </p:txBody>
+      </p:sp>
+    </p:spTree>
+    <p:extLst>
+      <p:ext uri="{BB962C8B-B14F-4D97-AF65-F5344CB8AC3E}">
+        <p14:creationId xmlns:p14="http://schemas.microsoft.com/office/powerpoint/2010/main" val="3512051662"/>
+      </p:ext>
+    </p:extLst>
+  </p:cSld>
+  <p:clrMapOvr>
+    <a:masterClrMapping/>
+  </p:clrMapOvr>
+</p:sld>
+</file>
+
 <file path=ppt/slides/slide4.xml><?xml version="1.0" encoding="utf-8"?>
 <p:sld xmlns:a="http://schemas.openxmlformats.org/drawingml/2006/main" xmlns:r="http://schemas.openxmlformats.org/officeDocument/2006/relationships" xmlns:p="http://schemas.openxmlformats.org/presentationml/2006/main">
   <p:cSld>
@@ -14438,7 +16249,7 @@
           <a:p>
             <a:r>
               <a:rPr lang="en-US" dirty="0"/>
-              <a:t>brain process called </a:t>
+              <a:t>brain process is called </a:t>
             </a:r>
           </a:p>
           <a:p>
